--- a/Presentation/FP-makes-life-easier.pptx
+++ b/Presentation/FP-makes-life-easier.pptx
@@ -212,7 +212,7 @@
           <a:p>
             <a:fld id="{7201D896-5548-4628-BD76-E04FF5C0A1BD}" type="datetimeFigureOut">
               <a:rPr lang="en-US" smtClean="0"/>
-              <a:t>9/20/2019</a:t>
+              <a:t>9/23/2019</a:t>
             </a:fld>
             <a:endParaRPr lang="en-US"/>
           </a:p>
@@ -1049,7 +1049,19 @@
             </a:r>
             <a:r>
               <a:rPr lang="en-US" baseline="0" dirty="0" smtClean="0"/>
-              <a:t> example</a:t>
+              <a:t> </a:t>
+            </a:r>
+            <a:r>
+              <a:rPr lang="en-US" baseline="0" dirty="0" smtClean="0"/>
+              <a:t>example; similar to </a:t>
+            </a:r>
+            <a:r>
+              <a:rPr lang="en-US" baseline="0" dirty="0" err="1" smtClean="0"/>
+              <a:t>IEnumerable</a:t>
+            </a:r>
+            <a:r>
+              <a:rPr lang="en-US" baseline="0" dirty="0" smtClean="0"/>
+              <a:t>&lt;T&gt;</a:t>
             </a:r>
             <a:endParaRPr lang="en-US" dirty="0"/>
           </a:p>
@@ -1142,6 +1154,18 @@
             <a:r>
               <a:rPr lang="en-US" baseline="0" dirty="0" smtClean="0"/>
               <a:t> </a:t>
+            </a:r>
+            <a:r>
+              <a:rPr lang="en-US" baseline="0" dirty="0" smtClean="0"/>
+              <a:t>in </a:t>
+            </a:r>
+            <a:r>
+              <a:rPr lang="en-US" baseline="0" dirty="0" err="1" smtClean="0"/>
+              <a:t>Calender</a:t>
+            </a:r>
+            <a:r>
+              <a:rPr lang="en-US" baseline="0" dirty="0" smtClean="0"/>
+              <a:t> app</a:t>
             </a:r>
             <a:endParaRPr lang="en-US" dirty="0"/>
           </a:p>
@@ -1314,7 +1338,7 @@
           <a:p>
             <a:fld id="{691FDA15-916D-498A-83AF-8FACFD01F9EF}" type="datetimeFigureOut">
               <a:rPr lang="en-US" smtClean="0"/>
-              <a:t>9/20/2019</a:t>
+              <a:t>9/23/2019</a:t>
             </a:fld>
             <a:endParaRPr lang="en-US"/>
           </a:p>
@@ -1484,7 +1508,7 @@
           <a:p>
             <a:fld id="{691FDA15-916D-498A-83AF-8FACFD01F9EF}" type="datetimeFigureOut">
               <a:rPr lang="en-US" smtClean="0"/>
-              <a:t>9/20/2019</a:t>
+              <a:t>9/23/2019</a:t>
             </a:fld>
             <a:endParaRPr lang="en-US"/>
           </a:p>
@@ -1664,7 +1688,7 @@
           <a:p>
             <a:fld id="{691FDA15-916D-498A-83AF-8FACFD01F9EF}" type="datetimeFigureOut">
               <a:rPr lang="en-US" smtClean="0"/>
-              <a:t>9/20/2019</a:t>
+              <a:t>9/23/2019</a:t>
             </a:fld>
             <a:endParaRPr lang="en-US"/>
           </a:p>
@@ -1834,7 +1858,7 @@
           <a:p>
             <a:fld id="{691FDA15-916D-498A-83AF-8FACFD01F9EF}" type="datetimeFigureOut">
               <a:rPr lang="en-US" smtClean="0"/>
-              <a:t>9/20/2019</a:t>
+              <a:t>9/23/2019</a:t>
             </a:fld>
             <a:endParaRPr lang="en-US"/>
           </a:p>
@@ -2080,7 +2104,7 @@
           <a:p>
             <a:fld id="{691FDA15-916D-498A-83AF-8FACFD01F9EF}" type="datetimeFigureOut">
               <a:rPr lang="en-US" smtClean="0"/>
-              <a:t>9/20/2019</a:t>
+              <a:t>9/23/2019</a:t>
             </a:fld>
             <a:endParaRPr lang="en-US"/>
           </a:p>
@@ -2312,7 +2336,7 @@
           <a:p>
             <a:fld id="{691FDA15-916D-498A-83AF-8FACFD01F9EF}" type="datetimeFigureOut">
               <a:rPr lang="en-US" smtClean="0"/>
-              <a:t>9/20/2019</a:t>
+              <a:t>9/23/2019</a:t>
             </a:fld>
             <a:endParaRPr lang="en-US"/>
           </a:p>
@@ -2679,7 +2703,7 @@
           <a:p>
             <a:fld id="{691FDA15-916D-498A-83AF-8FACFD01F9EF}" type="datetimeFigureOut">
               <a:rPr lang="en-US" smtClean="0"/>
-              <a:t>9/20/2019</a:t>
+              <a:t>9/23/2019</a:t>
             </a:fld>
             <a:endParaRPr lang="en-US"/>
           </a:p>
@@ -2797,7 +2821,7 @@
           <a:p>
             <a:fld id="{691FDA15-916D-498A-83AF-8FACFD01F9EF}" type="datetimeFigureOut">
               <a:rPr lang="en-US" smtClean="0"/>
-              <a:t>9/20/2019</a:t>
+              <a:t>9/23/2019</a:t>
             </a:fld>
             <a:endParaRPr lang="en-US"/>
           </a:p>
@@ -2892,7 +2916,7 @@
           <a:p>
             <a:fld id="{691FDA15-916D-498A-83AF-8FACFD01F9EF}" type="datetimeFigureOut">
               <a:rPr lang="en-US" smtClean="0"/>
-              <a:t>9/20/2019</a:t>
+              <a:t>9/23/2019</a:t>
             </a:fld>
             <a:endParaRPr lang="en-US"/>
           </a:p>
@@ -3169,7 +3193,7 @@
           <a:p>
             <a:fld id="{691FDA15-916D-498A-83AF-8FACFD01F9EF}" type="datetimeFigureOut">
               <a:rPr lang="en-US" smtClean="0"/>
-              <a:t>9/20/2019</a:t>
+              <a:t>9/23/2019</a:t>
             </a:fld>
             <a:endParaRPr lang="en-US"/>
           </a:p>
@@ -3422,7 +3446,7 @@
           <a:p>
             <a:fld id="{691FDA15-916D-498A-83AF-8FACFD01F9EF}" type="datetimeFigureOut">
               <a:rPr lang="en-US" smtClean="0"/>
-              <a:t>9/20/2019</a:t>
+              <a:t>9/23/2019</a:t>
             </a:fld>
             <a:endParaRPr lang="en-US"/>
           </a:p>
@@ -3635,7 +3659,7 @@
           <a:p>
             <a:fld id="{691FDA15-916D-498A-83AF-8FACFD01F9EF}" type="datetimeFigureOut">
               <a:rPr lang="en-US" smtClean="0"/>
-              <a:t>9/20/2019</a:t>
+              <a:t>9/23/2019</a:t>
             </a:fld>
             <a:endParaRPr lang="en-US"/>
           </a:p>
@@ -4209,7 +4233,6 @@
               <a:rPr lang="en-US" dirty="0" smtClean="0"/>
               <a:t>)</a:t>
             </a:r>
-            <a:endParaRPr lang="en-US" dirty="0" smtClean="0"/>
           </a:p>
           <a:p>
             <a:pPr lvl="1"/>
@@ -4335,20 +4358,31 @@
           <a:p>
             <a:r>
               <a:rPr lang="en-US" dirty="0" smtClean="0"/>
-              <a:t>Like the Option type but with an Error state instead of a Missing state</a:t>
-            </a:r>
-          </a:p>
-          <a:p>
-            <a:r>
-              <a:rPr lang="en-US" dirty="0" smtClean="0"/>
-              <a:t>Only persist data when valid (you’re forced to make a choice)</a:t>
-            </a:r>
-          </a:p>
-          <a:p>
-            <a:r>
-              <a:rPr lang="en-US" dirty="0" smtClean="0"/>
-              <a:t>Also use with Map and Bind functions</a:t>
-            </a:r>
+              <a:t>When data exists it is valid else it has an error state</a:t>
+            </a:r>
+            <a:endParaRPr lang="en-US" dirty="0" smtClean="0"/>
+          </a:p>
+          <a:p>
+            <a:r>
+              <a:rPr lang="en-US" dirty="0" smtClean="0"/>
+              <a:t>Also </a:t>
+            </a:r>
+            <a:r>
+              <a:rPr lang="en-US" dirty="0" smtClean="0"/>
+              <a:t>use with Map and Bind </a:t>
+            </a:r>
+            <a:r>
+              <a:rPr lang="en-US" dirty="0" smtClean="0"/>
+              <a:t>functions</a:t>
+            </a:r>
+          </a:p>
+          <a:p>
+            <a:pPr lvl="1"/>
+            <a:r>
+              <a:rPr lang="en-US" dirty="0" smtClean="0"/>
+              <a:t>Only persist when valid else inform caller</a:t>
+            </a:r>
+            <a:endParaRPr lang="en-US" dirty="0" smtClean="0"/>
           </a:p>
           <a:p>
             <a:endParaRPr lang="en-US" i="1" dirty="0"/>
@@ -4365,6 +4399,262 @@
   <p:clrMapOvr>
     <a:masterClrMapping/>
   </p:clrMapOvr>
+  <p:timing>
+    <p:tnLst>
+      <p:par>
+        <p:cTn id="1" dur="indefinite" restart="never" nodeType="tmRoot">
+          <p:childTnLst>
+            <p:seq concurrent="1" nextAc="seek">
+              <p:cTn id="2" dur="indefinite" nodeType="mainSeq">
+                <p:childTnLst>
+                  <p:par>
+                    <p:cTn id="3" fill="hold">
+                      <p:stCondLst>
+                        <p:cond delay="indefinite"/>
+                      </p:stCondLst>
+                      <p:childTnLst>
+                        <p:par>
+                          <p:cTn id="4" fill="hold">
+                            <p:stCondLst>
+                              <p:cond delay="0"/>
+                            </p:stCondLst>
+                            <p:childTnLst>
+                              <p:par>
+                                <p:cTn id="5" presetID="10" presetClass="entr" presetSubtype="0" fill="hold" nodeType="clickEffect">
+                                  <p:stCondLst>
+                                    <p:cond delay="0"/>
+                                  </p:stCondLst>
+                                  <p:childTnLst>
+                                    <p:set>
+                                      <p:cBhvr>
+                                        <p:cTn id="6" dur="1" fill="hold">
+                                          <p:stCondLst>
+                                            <p:cond delay="0"/>
+                                          </p:stCondLst>
+                                        </p:cTn>
+                                        <p:tgtEl>
+                                          <p:spTgt spid="3">
+                                            <p:txEl>
+                                              <p:pRg st="0" end="0"/>
+                                            </p:txEl>
+                                          </p:spTgt>
+                                        </p:tgtEl>
+                                        <p:attrNameLst>
+                                          <p:attrName>style.visibility</p:attrName>
+                                        </p:attrNameLst>
+                                      </p:cBhvr>
+                                      <p:to>
+                                        <p:strVal val="visible"/>
+                                      </p:to>
+                                    </p:set>
+                                    <p:animEffect transition="in" filter="fade">
+                                      <p:cBhvr>
+                                        <p:cTn id="7" dur="500"/>
+                                        <p:tgtEl>
+                                          <p:spTgt spid="3">
+                                            <p:txEl>
+                                              <p:pRg st="0" end="0"/>
+                                            </p:txEl>
+                                          </p:spTgt>
+                                        </p:tgtEl>
+                                      </p:cBhvr>
+                                    </p:animEffect>
+                                  </p:childTnLst>
+                                </p:cTn>
+                              </p:par>
+                            </p:childTnLst>
+                          </p:cTn>
+                        </p:par>
+                      </p:childTnLst>
+                    </p:cTn>
+                  </p:par>
+                  <p:par>
+                    <p:cTn id="8" fill="hold">
+                      <p:stCondLst>
+                        <p:cond delay="indefinite"/>
+                      </p:stCondLst>
+                      <p:childTnLst>
+                        <p:par>
+                          <p:cTn id="9" fill="hold">
+                            <p:stCondLst>
+                              <p:cond delay="0"/>
+                            </p:stCondLst>
+                            <p:childTnLst>
+                              <p:par>
+                                <p:cTn id="10" presetID="10" presetClass="entr" presetSubtype="0" fill="hold" nodeType="clickEffect">
+                                  <p:stCondLst>
+                                    <p:cond delay="0"/>
+                                  </p:stCondLst>
+                                  <p:childTnLst>
+                                    <p:set>
+                                      <p:cBhvr>
+                                        <p:cTn id="11" dur="1" fill="hold">
+                                          <p:stCondLst>
+                                            <p:cond delay="0"/>
+                                          </p:stCondLst>
+                                        </p:cTn>
+                                        <p:tgtEl>
+                                          <p:spTgt spid="3">
+                                            <p:txEl>
+                                              <p:pRg st="1" end="1"/>
+                                            </p:txEl>
+                                          </p:spTgt>
+                                        </p:tgtEl>
+                                        <p:attrNameLst>
+                                          <p:attrName>style.visibility</p:attrName>
+                                        </p:attrNameLst>
+                                      </p:cBhvr>
+                                      <p:to>
+                                        <p:strVal val="visible"/>
+                                      </p:to>
+                                    </p:set>
+                                    <p:animEffect transition="in" filter="fade">
+                                      <p:cBhvr>
+                                        <p:cTn id="12" dur="500"/>
+                                        <p:tgtEl>
+                                          <p:spTgt spid="3">
+                                            <p:txEl>
+                                              <p:pRg st="1" end="1"/>
+                                            </p:txEl>
+                                          </p:spTgt>
+                                        </p:tgtEl>
+                                      </p:cBhvr>
+                                    </p:animEffect>
+                                  </p:childTnLst>
+                                </p:cTn>
+                              </p:par>
+                            </p:childTnLst>
+                          </p:cTn>
+                        </p:par>
+                      </p:childTnLst>
+                    </p:cTn>
+                  </p:par>
+                  <p:par>
+                    <p:cTn id="13" fill="hold">
+                      <p:stCondLst>
+                        <p:cond delay="indefinite"/>
+                      </p:stCondLst>
+                      <p:childTnLst>
+                        <p:par>
+                          <p:cTn id="14" fill="hold">
+                            <p:stCondLst>
+                              <p:cond delay="0"/>
+                            </p:stCondLst>
+                            <p:childTnLst>
+                              <p:par>
+                                <p:cTn id="15" presetID="10" presetClass="entr" presetSubtype="0" fill="hold" nodeType="clickEffect">
+                                  <p:stCondLst>
+                                    <p:cond delay="0"/>
+                                  </p:stCondLst>
+                                  <p:childTnLst>
+                                    <p:set>
+                                      <p:cBhvr>
+                                        <p:cTn id="16" dur="1" fill="hold">
+                                          <p:stCondLst>
+                                            <p:cond delay="0"/>
+                                          </p:stCondLst>
+                                        </p:cTn>
+                                        <p:tgtEl>
+                                          <p:spTgt spid="3">
+                                            <p:txEl>
+                                              <p:pRg st="2" end="2"/>
+                                            </p:txEl>
+                                          </p:spTgt>
+                                        </p:tgtEl>
+                                        <p:attrNameLst>
+                                          <p:attrName>style.visibility</p:attrName>
+                                        </p:attrNameLst>
+                                      </p:cBhvr>
+                                      <p:to>
+                                        <p:strVal val="visible"/>
+                                      </p:to>
+                                    </p:set>
+                                    <p:animEffect transition="in" filter="fade">
+                                      <p:cBhvr>
+                                        <p:cTn id="17" dur="500"/>
+                                        <p:tgtEl>
+                                          <p:spTgt spid="3">
+                                            <p:txEl>
+                                              <p:pRg st="2" end="2"/>
+                                            </p:txEl>
+                                          </p:spTgt>
+                                        </p:tgtEl>
+                                      </p:cBhvr>
+                                    </p:animEffect>
+                                  </p:childTnLst>
+                                </p:cTn>
+                              </p:par>
+                              <p:par>
+                                <p:cTn id="18" presetID="10" presetClass="entr" presetSubtype="0" fill="hold" nodeType="withEffect">
+                                  <p:stCondLst>
+                                    <p:cond delay="0"/>
+                                  </p:stCondLst>
+                                  <p:childTnLst>
+                                    <p:set>
+                                      <p:cBhvr>
+                                        <p:cTn id="19" dur="1" fill="hold">
+                                          <p:stCondLst>
+                                            <p:cond delay="0"/>
+                                          </p:stCondLst>
+                                        </p:cTn>
+                                        <p:tgtEl>
+                                          <p:spTgt spid="3">
+                                            <p:txEl>
+                                              <p:pRg st="3" end="3"/>
+                                            </p:txEl>
+                                          </p:spTgt>
+                                        </p:tgtEl>
+                                        <p:attrNameLst>
+                                          <p:attrName>style.visibility</p:attrName>
+                                        </p:attrNameLst>
+                                      </p:cBhvr>
+                                      <p:to>
+                                        <p:strVal val="visible"/>
+                                      </p:to>
+                                    </p:set>
+                                    <p:animEffect transition="in" filter="fade">
+                                      <p:cBhvr>
+                                        <p:cTn id="20" dur="500"/>
+                                        <p:tgtEl>
+                                          <p:spTgt spid="3">
+                                            <p:txEl>
+                                              <p:pRg st="3" end="3"/>
+                                            </p:txEl>
+                                          </p:spTgt>
+                                        </p:tgtEl>
+                                      </p:cBhvr>
+                                    </p:animEffect>
+                                  </p:childTnLst>
+                                </p:cTn>
+                              </p:par>
+                            </p:childTnLst>
+                          </p:cTn>
+                        </p:par>
+                      </p:childTnLst>
+                    </p:cTn>
+                  </p:par>
+                </p:childTnLst>
+              </p:cTn>
+              <p:prevCondLst>
+                <p:cond evt="onPrev" delay="0">
+                  <p:tgtEl>
+                    <p:sldTgt/>
+                  </p:tgtEl>
+                </p:cond>
+              </p:prevCondLst>
+              <p:nextCondLst>
+                <p:cond evt="onNext" delay="0">
+                  <p:tgtEl>
+                    <p:sldTgt/>
+                  </p:tgtEl>
+                </p:cond>
+              </p:nextCondLst>
+            </p:seq>
+          </p:childTnLst>
+        </p:cTn>
+      </p:par>
+    </p:tnLst>
+  </p:timing>
 </p:sld>
 </file>
 
@@ -4439,7 +4729,11 @@
           <a:p>
             <a:r>
               <a:rPr lang="en-US" dirty="0" smtClean="0"/>
-              <a:t>Force impure code to boundaries</a:t>
+              <a:t>Force impure code to </a:t>
+            </a:r>
+            <a:r>
+              <a:rPr lang="en-US" dirty="0" smtClean="0"/>
+              <a:t>boundaries of application</a:t>
             </a:r>
             <a:endParaRPr lang="en-US" dirty="0"/>
           </a:p>
@@ -4455,6 +4749,13 @@
   <p:clrMapOvr>
     <a:masterClrMapping/>
   </p:clrMapOvr>
+  <p:timing>
+    <p:tnLst>
+      <p:par>
+        <p:cTn id="1" dur="indefinite" restart="never" nodeType="tmRoot"/>
+      </p:par>
+    </p:tnLst>
+  </p:timing>
 </p:sld>
 </file>
 
@@ -4566,6 +4867,13 @@
   <p:clrMapOvr>
     <a:masterClrMapping/>
   </p:clrMapOvr>
+  <p:timing>
+    <p:tnLst>
+      <p:par>
+        <p:cTn id="1" dur="indefinite" restart="never" nodeType="tmRoot"/>
+      </p:par>
+    </p:tnLst>
+  </p:timing>
 </p:sld>
 </file>
 
@@ -4635,11 +4943,7 @@
           <a:p>
             <a:r>
               <a:rPr lang="en-US" dirty="0" smtClean="0"/>
-              <a:t>Why </a:t>
-            </a:r>
-            <a:r>
-              <a:rPr lang="en-US" dirty="0" smtClean="0"/>
-              <a:t>FP?</a:t>
+              <a:t>Why FP?</a:t>
             </a:r>
           </a:p>
           <a:p>
@@ -4647,20 +4951,11 @@
               <a:rPr lang="en-US" dirty="0" smtClean="0"/>
               <a:t>Functions</a:t>
             </a:r>
-            <a:endParaRPr lang="en-US" dirty="0" smtClean="0"/>
-          </a:p>
-          <a:p>
-            <a:r>
-              <a:rPr lang="en-US" dirty="0" smtClean="0"/>
-              <a:t>Why </a:t>
-            </a:r>
-            <a:r>
-              <a:rPr lang="en-US" dirty="0" smtClean="0"/>
-              <a:t>purity </a:t>
-            </a:r>
-            <a:r>
-              <a:rPr lang="en-US" dirty="0" smtClean="0"/>
-              <a:t>matters</a:t>
+          </a:p>
+          <a:p>
+            <a:r>
+              <a:rPr lang="en-US" dirty="0" smtClean="0"/>
+              <a:t>Why purity matters</a:t>
             </a:r>
           </a:p>
           <a:p>
@@ -4672,16 +4967,11 @@
               <a:rPr lang="en-US" dirty="0" smtClean="0"/>
               <a:t>types</a:t>
             </a:r>
-            <a:endParaRPr lang="en-US" dirty="0" smtClean="0"/>
-          </a:p>
-          <a:p>
-            <a:r>
-              <a:rPr lang="en-US" dirty="0" smtClean="0"/>
-              <a:t>The Option </a:t>
-            </a:r>
-            <a:r>
-              <a:rPr lang="en-US" dirty="0" smtClean="0"/>
-              <a:t>type</a:t>
+          </a:p>
+          <a:p>
+            <a:r>
+              <a:rPr lang="en-US" dirty="0" smtClean="0"/>
+              <a:t>The Option type</a:t>
             </a:r>
           </a:p>
           <a:p>
@@ -4689,7 +4979,6 @@
               <a:rPr lang="en-US" dirty="0" smtClean="0"/>
               <a:t>The Bind and Map functions</a:t>
             </a:r>
-            <a:endParaRPr lang="en-US" dirty="0" smtClean="0"/>
           </a:p>
           <a:p>
             <a:r>
@@ -4798,13 +5087,8 @@
             </a:pPr>
             <a:r>
               <a:rPr lang="en-US" dirty="0" smtClean="0"/>
-              <a:t>Nothing in this presentation is </a:t>
-            </a:r>
-            <a:r>
-              <a:rPr lang="en-US" dirty="0" smtClean="0"/>
-              <a:t>original. </a:t>
-            </a:r>
-            <a:endParaRPr lang="en-US" dirty="0" smtClean="0"/>
+              <a:t>Nothing in this presentation is original. </a:t>
+            </a:r>
           </a:p>
           <a:p>
             <a:pPr marL="0" indent="0" algn="ctr">
@@ -4818,15 +5102,15 @@
             </a:pPr>
             <a:r>
               <a:rPr lang="en-US" dirty="0" smtClean="0"/>
-              <a:t>This is the accumulation of years of working with sucky code </a:t>
-            </a:r>
-            <a:r>
-              <a:rPr lang="en-US" dirty="0" smtClean="0"/>
-              <a:t>(including my own) and </a:t>
-            </a:r>
-            <a:r>
-              <a:rPr lang="en-US" dirty="0" smtClean="0"/>
-              <a:t>finding ways to make my life easier.</a:t>
+              <a:t>This is the accumulation of years of working with </a:t>
+            </a:r>
+            <a:r>
+              <a:rPr lang="en-US" dirty="0" smtClean="0"/>
+              <a:t>problematic code </a:t>
+            </a:r>
+            <a:r>
+              <a:rPr lang="en-US" dirty="0" smtClean="0"/>
+              <a:t>(including my own) and finding ways to make my life easier.</a:t>
             </a:r>
             <a:endParaRPr lang="en-US" dirty="0"/>
           </a:p>
@@ -5032,7 +5316,15 @@
             <a:pPr algn="ctr"/>
             <a:r>
               <a:rPr lang="en-US" dirty="0" smtClean="0"/>
-              <a:t>Why FP?</a:t>
+              <a:t>Why </a:t>
+            </a:r>
+            <a:r>
+              <a:rPr lang="en-US" dirty="0" smtClean="0"/>
+              <a:t>(should you learn) FP</a:t>
+            </a:r>
+            <a:r>
+              <a:rPr lang="en-US" dirty="0" smtClean="0"/>
+              <a:t>?</a:t>
             </a:r>
             <a:endParaRPr lang="en-US" dirty="0"/>
           </a:p>
@@ -5073,11 +5365,7 @@
           <a:p>
             <a:r>
               <a:rPr lang="en-US" dirty="0" smtClean="0"/>
-              <a:t>FP makes code easier </a:t>
-            </a:r>
-            <a:r>
-              <a:rPr lang="en-US" dirty="0" smtClean="0"/>
-              <a:t>testable</a:t>
+              <a:t>FP makes code easier testable</a:t>
             </a:r>
           </a:p>
           <a:p>
@@ -5085,13 +5373,6 @@
               <a:rPr lang="en-US" dirty="0" smtClean="0"/>
               <a:t>FP changes the way you think about writing software</a:t>
             </a:r>
-          </a:p>
-          <a:p>
-            <a:r>
-              <a:rPr lang="en-US" dirty="0" smtClean="0"/>
-              <a:t>With FP you say what you want not what something should do</a:t>
-            </a:r>
-            <a:endParaRPr lang="en-US" dirty="0" smtClean="0"/>
           </a:p>
           <a:p>
             <a:r>
@@ -5127,7 +5408,396 @@
   <p:timing>
     <p:tnLst>
       <p:par>
-        <p:cTn id="1" dur="indefinite" restart="never" nodeType="tmRoot"/>
+        <p:cTn id="1" dur="indefinite" restart="never" nodeType="tmRoot">
+          <p:childTnLst>
+            <p:seq concurrent="1" nextAc="seek">
+              <p:cTn id="2" dur="indefinite" nodeType="mainSeq">
+                <p:childTnLst>
+                  <p:par>
+                    <p:cTn id="3" fill="hold">
+                      <p:stCondLst>
+                        <p:cond delay="indefinite"/>
+                      </p:stCondLst>
+                      <p:childTnLst>
+                        <p:par>
+                          <p:cTn id="4" fill="hold">
+                            <p:stCondLst>
+                              <p:cond delay="0"/>
+                            </p:stCondLst>
+                            <p:childTnLst>
+                              <p:par>
+                                <p:cTn id="5" presetID="10" presetClass="entr" presetSubtype="0" fill="hold" nodeType="clickEffect">
+                                  <p:stCondLst>
+                                    <p:cond delay="0"/>
+                                  </p:stCondLst>
+                                  <p:childTnLst>
+                                    <p:set>
+                                      <p:cBhvr>
+                                        <p:cTn id="6" dur="1" fill="hold">
+                                          <p:stCondLst>
+                                            <p:cond delay="0"/>
+                                          </p:stCondLst>
+                                        </p:cTn>
+                                        <p:tgtEl>
+                                          <p:spTgt spid="3">
+                                            <p:txEl>
+                                              <p:pRg st="0" end="0"/>
+                                            </p:txEl>
+                                          </p:spTgt>
+                                        </p:tgtEl>
+                                        <p:attrNameLst>
+                                          <p:attrName>style.visibility</p:attrName>
+                                        </p:attrNameLst>
+                                      </p:cBhvr>
+                                      <p:to>
+                                        <p:strVal val="visible"/>
+                                      </p:to>
+                                    </p:set>
+                                    <p:animEffect transition="in" filter="fade">
+                                      <p:cBhvr>
+                                        <p:cTn id="7" dur="500"/>
+                                        <p:tgtEl>
+                                          <p:spTgt spid="3">
+                                            <p:txEl>
+                                              <p:pRg st="0" end="0"/>
+                                            </p:txEl>
+                                          </p:spTgt>
+                                        </p:tgtEl>
+                                      </p:cBhvr>
+                                    </p:animEffect>
+                                  </p:childTnLst>
+                                </p:cTn>
+                              </p:par>
+                            </p:childTnLst>
+                          </p:cTn>
+                        </p:par>
+                      </p:childTnLst>
+                    </p:cTn>
+                  </p:par>
+                  <p:par>
+                    <p:cTn id="8" fill="hold">
+                      <p:stCondLst>
+                        <p:cond delay="indefinite"/>
+                      </p:stCondLst>
+                      <p:childTnLst>
+                        <p:par>
+                          <p:cTn id="9" fill="hold">
+                            <p:stCondLst>
+                              <p:cond delay="0"/>
+                            </p:stCondLst>
+                            <p:childTnLst>
+                              <p:par>
+                                <p:cTn id="10" presetID="10" presetClass="entr" presetSubtype="0" fill="hold" nodeType="clickEffect">
+                                  <p:stCondLst>
+                                    <p:cond delay="0"/>
+                                  </p:stCondLst>
+                                  <p:childTnLst>
+                                    <p:set>
+                                      <p:cBhvr>
+                                        <p:cTn id="11" dur="1" fill="hold">
+                                          <p:stCondLst>
+                                            <p:cond delay="0"/>
+                                          </p:stCondLst>
+                                        </p:cTn>
+                                        <p:tgtEl>
+                                          <p:spTgt spid="3">
+                                            <p:txEl>
+                                              <p:pRg st="1" end="1"/>
+                                            </p:txEl>
+                                          </p:spTgt>
+                                        </p:tgtEl>
+                                        <p:attrNameLst>
+                                          <p:attrName>style.visibility</p:attrName>
+                                        </p:attrNameLst>
+                                      </p:cBhvr>
+                                      <p:to>
+                                        <p:strVal val="visible"/>
+                                      </p:to>
+                                    </p:set>
+                                    <p:animEffect transition="in" filter="fade">
+                                      <p:cBhvr>
+                                        <p:cTn id="12" dur="500"/>
+                                        <p:tgtEl>
+                                          <p:spTgt spid="3">
+                                            <p:txEl>
+                                              <p:pRg st="1" end="1"/>
+                                            </p:txEl>
+                                          </p:spTgt>
+                                        </p:tgtEl>
+                                      </p:cBhvr>
+                                    </p:animEffect>
+                                  </p:childTnLst>
+                                </p:cTn>
+                              </p:par>
+                            </p:childTnLst>
+                          </p:cTn>
+                        </p:par>
+                      </p:childTnLst>
+                    </p:cTn>
+                  </p:par>
+                  <p:par>
+                    <p:cTn id="13" fill="hold">
+                      <p:stCondLst>
+                        <p:cond delay="indefinite"/>
+                      </p:stCondLst>
+                      <p:childTnLst>
+                        <p:par>
+                          <p:cTn id="14" fill="hold">
+                            <p:stCondLst>
+                              <p:cond delay="0"/>
+                            </p:stCondLst>
+                            <p:childTnLst>
+                              <p:par>
+                                <p:cTn id="15" presetID="10" presetClass="entr" presetSubtype="0" fill="hold" nodeType="clickEffect">
+                                  <p:stCondLst>
+                                    <p:cond delay="0"/>
+                                  </p:stCondLst>
+                                  <p:childTnLst>
+                                    <p:set>
+                                      <p:cBhvr>
+                                        <p:cTn id="16" dur="1" fill="hold">
+                                          <p:stCondLst>
+                                            <p:cond delay="0"/>
+                                          </p:stCondLst>
+                                        </p:cTn>
+                                        <p:tgtEl>
+                                          <p:spTgt spid="3">
+                                            <p:txEl>
+                                              <p:pRg st="2" end="2"/>
+                                            </p:txEl>
+                                          </p:spTgt>
+                                        </p:tgtEl>
+                                        <p:attrNameLst>
+                                          <p:attrName>style.visibility</p:attrName>
+                                        </p:attrNameLst>
+                                      </p:cBhvr>
+                                      <p:to>
+                                        <p:strVal val="visible"/>
+                                      </p:to>
+                                    </p:set>
+                                    <p:animEffect transition="in" filter="fade">
+                                      <p:cBhvr>
+                                        <p:cTn id="17" dur="500"/>
+                                        <p:tgtEl>
+                                          <p:spTgt spid="3">
+                                            <p:txEl>
+                                              <p:pRg st="2" end="2"/>
+                                            </p:txEl>
+                                          </p:spTgt>
+                                        </p:tgtEl>
+                                      </p:cBhvr>
+                                    </p:animEffect>
+                                  </p:childTnLst>
+                                </p:cTn>
+                              </p:par>
+                            </p:childTnLst>
+                          </p:cTn>
+                        </p:par>
+                      </p:childTnLst>
+                    </p:cTn>
+                  </p:par>
+                  <p:par>
+                    <p:cTn id="18" fill="hold">
+                      <p:stCondLst>
+                        <p:cond delay="indefinite"/>
+                      </p:stCondLst>
+                      <p:childTnLst>
+                        <p:par>
+                          <p:cTn id="19" fill="hold">
+                            <p:stCondLst>
+                              <p:cond delay="0"/>
+                            </p:stCondLst>
+                            <p:childTnLst>
+                              <p:par>
+                                <p:cTn id="20" presetID="10" presetClass="entr" presetSubtype="0" fill="hold" nodeType="clickEffect">
+                                  <p:stCondLst>
+                                    <p:cond delay="0"/>
+                                  </p:stCondLst>
+                                  <p:childTnLst>
+                                    <p:set>
+                                      <p:cBhvr>
+                                        <p:cTn id="21" dur="1" fill="hold">
+                                          <p:stCondLst>
+                                            <p:cond delay="0"/>
+                                          </p:stCondLst>
+                                        </p:cTn>
+                                        <p:tgtEl>
+                                          <p:spTgt spid="3">
+                                            <p:txEl>
+                                              <p:pRg st="3" end="3"/>
+                                            </p:txEl>
+                                          </p:spTgt>
+                                        </p:tgtEl>
+                                        <p:attrNameLst>
+                                          <p:attrName>style.visibility</p:attrName>
+                                        </p:attrNameLst>
+                                      </p:cBhvr>
+                                      <p:to>
+                                        <p:strVal val="visible"/>
+                                      </p:to>
+                                    </p:set>
+                                    <p:animEffect transition="in" filter="fade">
+                                      <p:cBhvr>
+                                        <p:cTn id="22" dur="500"/>
+                                        <p:tgtEl>
+                                          <p:spTgt spid="3">
+                                            <p:txEl>
+                                              <p:pRg st="3" end="3"/>
+                                            </p:txEl>
+                                          </p:spTgt>
+                                        </p:tgtEl>
+                                      </p:cBhvr>
+                                    </p:animEffect>
+                                  </p:childTnLst>
+                                </p:cTn>
+                              </p:par>
+                            </p:childTnLst>
+                          </p:cTn>
+                        </p:par>
+                      </p:childTnLst>
+                    </p:cTn>
+                  </p:par>
+                  <p:par>
+                    <p:cTn id="23" fill="hold">
+                      <p:stCondLst>
+                        <p:cond delay="indefinite"/>
+                      </p:stCondLst>
+                      <p:childTnLst>
+                        <p:par>
+                          <p:cTn id="24" fill="hold">
+                            <p:stCondLst>
+                              <p:cond delay="0"/>
+                            </p:stCondLst>
+                            <p:childTnLst>
+                              <p:par>
+                                <p:cTn id="25" presetID="10" presetClass="entr" presetSubtype="0" fill="hold" nodeType="clickEffect">
+                                  <p:stCondLst>
+                                    <p:cond delay="0"/>
+                                  </p:stCondLst>
+                                  <p:childTnLst>
+                                    <p:set>
+                                      <p:cBhvr>
+                                        <p:cTn id="26" dur="1" fill="hold">
+                                          <p:stCondLst>
+                                            <p:cond delay="0"/>
+                                          </p:stCondLst>
+                                        </p:cTn>
+                                        <p:tgtEl>
+                                          <p:spTgt spid="3">
+                                            <p:txEl>
+                                              <p:pRg st="4" end="4"/>
+                                            </p:txEl>
+                                          </p:spTgt>
+                                        </p:tgtEl>
+                                        <p:attrNameLst>
+                                          <p:attrName>style.visibility</p:attrName>
+                                        </p:attrNameLst>
+                                      </p:cBhvr>
+                                      <p:to>
+                                        <p:strVal val="visible"/>
+                                      </p:to>
+                                    </p:set>
+                                    <p:animEffect transition="in" filter="fade">
+                                      <p:cBhvr>
+                                        <p:cTn id="27" dur="500"/>
+                                        <p:tgtEl>
+                                          <p:spTgt spid="3">
+                                            <p:txEl>
+                                              <p:pRg st="4" end="4"/>
+                                            </p:txEl>
+                                          </p:spTgt>
+                                        </p:tgtEl>
+                                      </p:cBhvr>
+                                    </p:animEffect>
+                                  </p:childTnLst>
+                                </p:cTn>
+                              </p:par>
+                            </p:childTnLst>
+                          </p:cTn>
+                        </p:par>
+                      </p:childTnLst>
+                    </p:cTn>
+                  </p:par>
+                  <p:par>
+                    <p:cTn id="28" fill="hold">
+                      <p:stCondLst>
+                        <p:cond delay="indefinite"/>
+                      </p:stCondLst>
+                      <p:childTnLst>
+                        <p:par>
+                          <p:cTn id="29" fill="hold">
+                            <p:stCondLst>
+                              <p:cond delay="0"/>
+                            </p:stCondLst>
+                            <p:childTnLst>
+                              <p:par>
+                                <p:cTn id="30" presetID="10" presetClass="entr" presetSubtype="0" fill="hold" nodeType="clickEffect">
+                                  <p:stCondLst>
+                                    <p:cond delay="0"/>
+                                  </p:stCondLst>
+                                  <p:childTnLst>
+                                    <p:set>
+                                      <p:cBhvr>
+                                        <p:cTn id="31" dur="1" fill="hold">
+                                          <p:stCondLst>
+                                            <p:cond delay="0"/>
+                                          </p:stCondLst>
+                                        </p:cTn>
+                                        <p:tgtEl>
+                                          <p:spTgt spid="3">
+                                            <p:txEl>
+                                              <p:pRg st="5" end="5"/>
+                                            </p:txEl>
+                                          </p:spTgt>
+                                        </p:tgtEl>
+                                        <p:attrNameLst>
+                                          <p:attrName>style.visibility</p:attrName>
+                                        </p:attrNameLst>
+                                      </p:cBhvr>
+                                      <p:to>
+                                        <p:strVal val="visible"/>
+                                      </p:to>
+                                    </p:set>
+                                    <p:animEffect transition="in" filter="fade">
+                                      <p:cBhvr>
+                                        <p:cTn id="32" dur="500"/>
+                                        <p:tgtEl>
+                                          <p:spTgt spid="3">
+                                            <p:txEl>
+                                              <p:pRg st="5" end="5"/>
+                                            </p:txEl>
+                                          </p:spTgt>
+                                        </p:tgtEl>
+                                      </p:cBhvr>
+                                    </p:animEffect>
+                                  </p:childTnLst>
+                                </p:cTn>
+                              </p:par>
+                            </p:childTnLst>
+                          </p:cTn>
+                        </p:par>
+                      </p:childTnLst>
+                    </p:cTn>
+                  </p:par>
+                </p:childTnLst>
+              </p:cTn>
+              <p:prevCondLst>
+                <p:cond evt="onPrev" delay="0">
+                  <p:tgtEl>
+                    <p:sldTgt/>
+                  </p:tgtEl>
+                </p:cond>
+              </p:prevCondLst>
+              <p:nextCondLst>
+                <p:cond evt="onNext" delay="0">
+                  <p:tgtEl>
+                    <p:sldTgt/>
+                  </p:tgtEl>
+                </p:cond>
+              </p:nextCondLst>
+            </p:seq>
+          </p:childTnLst>
+        </p:cTn>
       </p:par>
     </p:tnLst>
   </p:timing>
@@ -5206,11 +5876,7 @@
           <a:p>
             <a:r>
               <a:rPr lang="en-US" i="1" dirty="0" smtClean="0"/>
-              <a:t>Honest </a:t>
-            </a:r>
-            <a:r>
-              <a:rPr lang="en-US" i="1" dirty="0" smtClean="0"/>
-              <a:t>functions </a:t>
+              <a:t>Honest functions </a:t>
             </a:r>
             <a:r>
               <a:rPr lang="en-US" dirty="0" smtClean="0"/>
@@ -5227,17 +5893,12 @@
               <a:rPr lang="en-US" dirty="0" smtClean="0"/>
               <a:t>Say what you do and do what you say.</a:t>
             </a:r>
-            <a:endParaRPr lang="en-US" dirty="0" smtClean="0"/>
           </a:p>
           <a:p>
             <a:pPr lvl="1"/>
             <a:r>
               <a:rPr lang="en-US" dirty="0" smtClean="0"/>
-              <a:t>Failure </a:t>
-            </a:r>
-            <a:r>
-              <a:rPr lang="en-US" dirty="0" smtClean="0"/>
-              <a:t>is </a:t>
+              <a:t>Failure is </a:t>
             </a:r>
             <a:r>
               <a:rPr lang="en-US" i="1" dirty="0" smtClean="0"/>
@@ -5249,6 +5910,18 @@
             </a:r>
           </a:p>
           <a:p>
+            <a:pPr lvl="1"/>
+            <a:r>
+              <a:rPr lang="en-US" dirty="0"/>
+              <a:t>Partial functions vs. Total </a:t>
+            </a:r>
+            <a:r>
+              <a:rPr lang="en-US" dirty="0" smtClean="0"/>
+              <a:t>functions</a:t>
+            </a:r>
+            <a:endParaRPr lang="en-US" dirty="0" smtClean="0"/>
+          </a:p>
+          <a:p>
             <a:r>
               <a:rPr lang="en-US" dirty="0" smtClean="0"/>
               <a:t>FP is distinguished by </a:t>
@@ -5259,11 +5932,7 @@
             </a:r>
             <a:r>
               <a:rPr lang="en-US" dirty="0" smtClean="0"/>
-              <a:t> (HOFs</a:t>
-            </a:r>
-            <a:r>
-              <a:rPr lang="en-US" dirty="0" smtClean="0"/>
-              <a:t>)</a:t>
+              <a:t> (HOFs)</a:t>
             </a:r>
           </a:p>
           <a:p>
@@ -5272,13 +5941,6 @@
               <a:rPr lang="en-US" dirty="0" smtClean="0"/>
               <a:t>Think LINQ</a:t>
             </a:r>
-          </a:p>
-          <a:p>
-            <a:r>
-              <a:rPr lang="en-US" dirty="0" smtClean="0"/>
-              <a:t>Partial functions vs. Total functions</a:t>
-            </a:r>
-            <a:endParaRPr lang="en-US" dirty="0" smtClean="0"/>
           </a:p>
           <a:p>
             <a:endParaRPr lang="en-US" dirty="0"/>
@@ -5298,7 +5960,385 @@
   <p:timing>
     <p:tnLst>
       <p:par>
-        <p:cTn id="1" dur="indefinite" restart="never" nodeType="tmRoot"/>
+        <p:cTn id="1" dur="indefinite" restart="never" nodeType="tmRoot">
+          <p:childTnLst>
+            <p:seq concurrent="1" nextAc="seek">
+              <p:cTn id="2" dur="indefinite" nodeType="mainSeq">
+                <p:childTnLst>
+                  <p:par>
+                    <p:cTn id="3" fill="hold">
+                      <p:stCondLst>
+                        <p:cond delay="indefinite"/>
+                      </p:stCondLst>
+                      <p:childTnLst>
+                        <p:par>
+                          <p:cTn id="4" fill="hold">
+                            <p:stCondLst>
+                              <p:cond delay="0"/>
+                            </p:stCondLst>
+                            <p:childTnLst>
+                              <p:par>
+                                <p:cTn id="5" presetID="10" presetClass="entr" presetSubtype="0" fill="hold" nodeType="clickEffect">
+                                  <p:stCondLst>
+                                    <p:cond delay="0"/>
+                                  </p:stCondLst>
+                                  <p:childTnLst>
+                                    <p:set>
+                                      <p:cBhvr>
+                                        <p:cTn id="6" dur="1" fill="hold">
+                                          <p:stCondLst>
+                                            <p:cond delay="0"/>
+                                          </p:stCondLst>
+                                        </p:cTn>
+                                        <p:tgtEl>
+                                          <p:spTgt spid="3">
+                                            <p:txEl>
+                                              <p:pRg st="0" end="0"/>
+                                            </p:txEl>
+                                          </p:spTgt>
+                                        </p:tgtEl>
+                                        <p:attrNameLst>
+                                          <p:attrName>style.visibility</p:attrName>
+                                        </p:attrNameLst>
+                                      </p:cBhvr>
+                                      <p:to>
+                                        <p:strVal val="visible"/>
+                                      </p:to>
+                                    </p:set>
+                                    <p:animEffect transition="in" filter="fade">
+                                      <p:cBhvr>
+                                        <p:cTn id="7" dur="500"/>
+                                        <p:tgtEl>
+                                          <p:spTgt spid="3">
+                                            <p:txEl>
+                                              <p:pRg st="0" end="0"/>
+                                            </p:txEl>
+                                          </p:spTgt>
+                                        </p:tgtEl>
+                                      </p:cBhvr>
+                                    </p:animEffect>
+                                  </p:childTnLst>
+                                </p:cTn>
+                              </p:par>
+                            </p:childTnLst>
+                          </p:cTn>
+                        </p:par>
+                      </p:childTnLst>
+                    </p:cTn>
+                  </p:par>
+                  <p:par>
+                    <p:cTn id="8" fill="hold">
+                      <p:stCondLst>
+                        <p:cond delay="indefinite"/>
+                      </p:stCondLst>
+                      <p:childTnLst>
+                        <p:par>
+                          <p:cTn id="9" fill="hold">
+                            <p:stCondLst>
+                              <p:cond delay="0"/>
+                            </p:stCondLst>
+                            <p:childTnLst>
+                              <p:par>
+                                <p:cTn id="10" presetID="10" presetClass="entr" presetSubtype="0" fill="hold" nodeType="clickEffect">
+                                  <p:stCondLst>
+                                    <p:cond delay="0"/>
+                                  </p:stCondLst>
+                                  <p:childTnLst>
+                                    <p:set>
+                                      <p:cBhvr>
+                                        <p:cTn id="11" dur="1" fill="hold">
+                                          <p:stCondLst>
+                                            <p:cond delay="0"/>
+                                          </p:stCondLst>
+                                        </p:cTn>
+                                        <p:tgtEl>
+                                          <p:spTgt spid="3">
+                                            <p:txEl>
+                                              <p:pRg st="1" end="1"/>
+                                            </p:txEl>
+                                          </p:spTgt>
+                                        </p:tgtEl>
+                                        <p:attrNameLst>
+                                          <p:attrName>style.visibility</p:attrName>
+                                        </p:attrNameLst>
+                                      </p:cBhvr>
+                                      <p:to>
+                                        <p:strVal val="visible"/>
+                                      </p:to>
+                                    </p:set>
+                                    <p:animEffect transition="in" filter="fade">
+                                      <p:cBhvr>
+                                        <p:cTn id="12" dur="500"/>
+                                        <p:tgtEl>
+                                          <p:spTgt spid="3">
+                                            <p:txEl>
+                                              <p:pRg st="1" end="1"/>
+                                            </p:txEl>
+                                          </p:spTgt>
+                                        </p:tgtEl>
+                                      </p:cBhvr>
+                                    </p:animEffect>
+                                  </p:childTnLst>
+                                </p:cTn>
+                              </p:par>
+                              <p:par>
+                                <p:cTn id="13" presetID="10" presetClass="entr" presetSubtype="0" fill="hold" nodeType="withEffect">
+                                  <p:stCondLst>
+                                    <p:cond delay="0"/>
+                                  </p:stCondLst>
+                                  <p:childTnLst>
+                                    <p:set>
+                                      <p:cBhvr>
+                                        <p:cTn id="14" dur="1" fill="hold">
+                                          <p:stCondLst>
+                                            <p:cond delay="0"/>
+                                          </p:stCondLst>
+                                        </p:cTn>
+                                        <p:tgtEl>
+                                          <p:spTgt spid="3">
+                                            <p:txEl>
+                                              <p:pRg st="2" end="2"/>
+                                            </p:txEl>
+                                          </p:spTgt>
+                                        </p:tgtEl>
+                                        <p:attrNameLst>
+                                          <p:attrName>style.visibility</p:attrName>
+                                        </p:attrNameLst>
+                                      </p:cBhvr>
+                                      <p:to>
+                                        <p:strVal val="visible"/>
+                                      </p:to>
+                                    </p:set>
+                                    <p:animEffect transition="in" filter="fade">
+                                      <p:cBhvr>
+                                        <p:cTn id="15" dur="500"/>
+                                        <p:tgtEl>
+                                          <p:spTgt spid="3">
+                                            <p:txEl>
+                                              <p:pRg st="2" end="2"/>
+                                            </p:txEl>
+                                          </p:spTgt>
+                                        </p:tgtEl>
+                                      </p:cBhvr>
+                                    </p:animEffect>
+                                  </p:childTnLst>
+                                </p:cTn>
+                              </p:par>
+                              <p:par>
+                                <p:cTn id="16" presetID="10" presetClass="entr" presetSubtype="0" fill="hold" nodeType="withEffect">
+                                  <p:stCondLst>
+                                    <p:cond delay="0"/>
+                                  </p:stCondLst>
+                                  <p:childTnLst>
+                                    <p:set>
+                                      <p:cBhvr>
+                                        <p:cTn id="17" dur="1" fill="hold">
+                                          <p:stCondLst>
+                                            <p:cond delay="0"/>
+                                          </p:stCondLst>
+                                        </p:cTn>
+                                        <p:tgtEl>
+                                          <p:spTgt spid="3">
+                                            <p:txEl>
+                                              <p:pRg st="3" end="3"/>
+                                            </p:txEl>
+                                          </p:spTgt>
+                                        </p:tgtEl>
+                                        <p:attrNameLst>
+                                          <p:attrName>style.visibility</p:attrName>
+                                        </p:attrNameLst>
+                                      </p:cBhvr>
+                                      <p:to>
+                                        <p:strVal val="visible"/>
+                                      </p:to>
+                                    </p:set>
+                                    <p:animEffect transition="in" filter="fade">
+                                      <p:cBhvr>
+                                        <p:cTn id="18" dur="500"/>
+                                        <p:tgtEl>
+                                          <p:spTgt spid="3">
+                                            <p:txEl>
+                                              <p:pRg st="3" end="3"/>
+                                            </p:txEl>
+                                          </p:spTgt>
+                                        </p:tgtEl>
+                                      </p:cBhvr>
+                                    </p:animEffect>
+                                  </p:childTnLst>
+                                </p:cTn>
+                              </p:par>
+                              <p:par>
+                                <p:cTn id="19" presetID="10" presetClass="entr" presetSubtype="0" fill="hold" nodeType="withEffect">
+                                  <p:stCondLst>
+                                    <p:cond delay="0"/>
+                                  </p:stCondLst>
+                                  <p:childTnLst>
+                                    <p:set>
+                                      <p:cBhvr>
+                                        <p:cTn id="20" dur="1" fill="hold">
+                                          <p:stCondLst>
+                                            <p:cond delay="0"/>
+                                          </p:stCondLst>
+                                        </p:cTn>
+                                        <p:tgtEl>
+                                          <p:spTgt spid="3">
+                                            <p:txEl>
+                                              <p:pRg st="4" end="4"/>
+                                            </p:txEl>
+                                          </p:spTgt>
+                                        </p:tgtEl>
+                                        <p:attrNameLst>
+                                          <p:attrName>style.visibility</p:attrName>
+                                        </p:attrNameLst>
+                                      </p:cBhvr>
+                                      <p:to>
+                                        <p:strVal val="visible"/>
+                                      </p:to>
+                                    </p:set>
+                                    <p:animEffect transition="in" filter="fade">
+                                      <p:cBhvr>
+                                        <p:cTn id="21" dur="500"/>
+                                        <p:tgtEl>
+                                          <p:spTgt spid="3">
+                                            <p:txEl>
+                                              <p:pRg st="4" end="4"/>
+                                            </p:txEl>
+                                          </p:spTgt>
+                                        </p:tgtEl>
+                                      </p:cBhvr>
+                                    </p:animEffect>
+                                  </p:childTnLst>
+                                </p:cTn>
+                              </p:par>
+                            </p:childTnLst>
+                          </p:cTn>
+                        </p:par>
+                      </p:childTnLst>
+                    </p:cTn>
+                  </p:par>
+                  <p:par>
+                    <p:cTn id="22" fill="hold">
+                      <p:stCondLst>
+                        <p:cond delay="indefinite"/>
+                      </p:stCondLst>
+                      <p:childTnLst>
+                        <p:par>
+                          <p:cTn id="23" fill="hold">
+                            <p:stCondLst>
+                              <p:cond delay="0"/>
+                            </p:stCondLst>
+                            <p:childTnLst>
+                              <p:par>
+                                <p:cTn id="24" presetID="10" presetClass="entr" presetSubtype="0" fill="hold" nodeType="clickEffect">
+                                  <p:stCondLst>
+                                    <p:cond delay="0"/>
+                                  </p:stCondLst>
+                                  <p:childTnLst>
+                                    <p:set>
+                                      <p:cBhvr>
+                                        <p:cTn id="25" dur="1" fill="hold">
+                                          <p:stCondLst>
+                                            <p:cond delay="0"/>
+                                          </p:stCondLst>
+                                        </p:cTn>
+                                        <p:tgtEl>
+                                          <p:spTgt spid="3">
+                                            <p:txEl>
+                                              <p:pRg st="5" end="5"/>
+                                            </p:txEl>
+                                          </p:spTgt>
+                                        </p:tgtEl>
+                                        <p:attrNameLst>
+                                          <p:attrName>style.visibility</p:attrName>
+                                        </p:attrNameLst>
+                                      </p:cBhvr>
+                                      <p:to>
+                                        <p:strVal val="visible"/>
+                                      </p:to>
+                                    </p:set>
+                                    <p:animEffect transition="in" filter="fade">
+                                      <p:cBhvr>
+                                        <p:cTn id="26" dur="500"/>
+                                        <p:tgtEl>
+                                          <p:spTgt spid="3">
+                                            <p:txEl>
+                                              <p:pRg st="5" end="5"/>
+                                            </p:txEl>
+                                          </p:spTgt>
+                                        </p:tgtEl>
+                                      </p:cBhvr>
+                                    </p:animEffect>
+                                  </p:childTnLst>
+                                </p:cTn>
+                              </p:par>
+                              <p:par>
+                                <p:cTn id="27" presetID="10" presetClass="entr" presetSubtype="0" fill="hold" nodeType="withEffect">
+                                  <p:stCondLst>
+                                    <p:cond delay="0"/>
+                                  </p:stCondLst>
+                                  <p:childTnLst>
+                                    <p:set>
+                                      <p:cBhvr>
+                                        <p:cTn id="28" dur="1" fill="hold">
+                                          <p:stCondLst>
+                                            <p:cond delay="0"/>
+                                          </p:stCondLst>
+                                        </p:cTn>
+                                        <p:tgtEl>
+                                          <p:spTgt spid="3">
+                                            <p:txEl>
+                                              <p:pRg st="6" end="6"/>
+                                            </p:txEl>
+                                          </p:spTgt>
+                                        </p:tgtEl>
+                                        <p:attrNameLst>
+                                          <p:attrName>style.visibility</p:attrName>
+                                        </p:attrNameLst>
+                                      </p:cBhvr>
+                                      <p:to>
+                                        <p:strVal val="visible"/>
+                                      </p:to>
+                                    </p:set>
+                                    <p:animEffect transition="in" filter="fade">
+                                      <p:cBhvr>
+                                        <p:cTn id="29" dur="500"/>
+                                        <p:tgtEl>
+                                          <p:spTgt spid="3">
+                                            <p:txEl>
+                                              <p:pRg st="6" end="6"/>
+                                            </p:txEl>
+                                          </p:spTgt>
+                                        </p:tgtEl>
+                                      </p:cBhvr>
+                                    </p:animEffect>
+                                  </p:childTnLst>
+                                </p:cTn>
+                              </p:par>
+                            </p:childTnLst>
+                          </p:cTn>
+                        </p:par>
+                      </p:childTnLst>
+                    </p:cTn>
+                  </p:par>
+                </p:childTnLst>
+              </p:cTn>
+              <p:prevCondLst>
+                <p:cond evt="onPrev" delay="0">
+                  <p:tgtEl>
+                    <p:sldTgt/>
+                  </p:tgtEl>
+                </p:cond>
+              </p:prevCondLst>
+              <p:nextCondLst>
+                <p:cond evt="onNext" delay="0">
+                  <p:tgtEl>
+                    <p:sldTgt/>
+                  </p:tgtEl>
+                </p:cond>
+              </p:nextCondLst>
+            </p:seq>
+          </p:childTnLst>
+        </p:cTn>
       </p:par>
     </p:tnLst>
   </p:timing>
@@ -5359,7 +6399,7 @@
         <p:spPr/>
         <p:txBody>
           <a:bodyPr>
-            <a:normAutofit lnSpcReduction="10000"/>
+            <a:normAutofit/>
           </a:bodyPr>
           <a:lstStyle/>
           <a:p>
@@ -5439,17 +6479,23 @@
             </a:r>
             <a:r>
               <a:rPr lang="en-US" dirty="0" smtClean="0"/>
-              <a:t>without side effects</a:t>
-            </a:r>
-          </a:p>
-          <a:p>
-            <a:r>
-              <a:rPr lang="en-US" dirty="0" smtClean="0"/>
-              <a:t>Still, it pays of to have as much code as possible </a:t>
+              <a:t>without side </a:t>
+            </a:r>
+            <a:r>
+              <a:rPr lang="en-US" dirty="0" smtClean="0"/>
+              <a:t>effects. Still</a:t>
+            </a:r>
+            <a:r>
+              <a:rPr lang="en-US" dirty="0" smtClean="0"/>
+              <a:t>, it pays of to have as much code as possible </a:t>
             </a:r>
             <a:r>
               <a:rPr lang="en-US" i="1" dirty="0" smtClean="0"/>
-              <a:t>side effect free</a:t>
+              <a:t>side effect </a:t>
+            </a:r>
+            <a:r>
+              <a:rPr lang="en-US" i="1" dirty="0" smtClean="0"/>
+              <a:t>free.</a:t>
             </a:r>
             <a:endParaRPr lang="en-US" i="1" dirty="0"/>
           </a:p>
@@ -5465,6 +6511,513 @@
   <p:clrMapOvr>
     <a:masterClrMapping/>
   </p:clrMapOvr>
+  <p:timing>
+    <p:tnLst>
+      <p:par>
+        <p:cTn id="1" dur="indefinite" restart="never" nodeType="tmRoot">
+          <p:childTnLst>
+            <p:seq concurrent="1" nextAc="seek">
+              <p:cTn id="2" dur="indefinite" nodeType="mainSeq">
+                <p:childTnLst>
+                  <p:par>
+                    <p:cTn id="3" fill="hold">
+                      <p:stCondLst>
+                        <p:cond delay="indefinite"/>
+                      </p:stCondLst>
+                      <p:childTnLst>
+                        <p:par>
+                          <p:cTn id="4" fill="hold">
+                            <p:stCondLst>
+                              <p:cond delay="0"/>
+                            </p:stCondLst>
+                            <p:childTnLst>
+                              <p:par>
+                                <p:cTn id="5" presetID="10" presetClass="entr" presetSubtype="0" fill="hold" nodeType="clickEffect">
+                                  <p:stCondLst>
+                                    <p:cond delay="0"/>
+                                  </p:stCondLst>
+                                  <p:childTnLst>
+                                    <p:set>
+                                      <p:cBhvr>
+                                        <p:cTn id="6" dur="1" fill="hold">
+                                          <p:stCondLst>
+                                            <p:cond delay="0"/>
+                                          </p:stCondLst>
+                                        </p:cTn>
+                                        <p:tgtEl>
+                                          <p:spTgt spid="3">
+                                            <p:txEl>
+                                              <p:pRg st="0" end="0"/>
+                                            </p:txEl>
+                                          </p:spTgt>
+                                        </p:tgtEl>
+                                        <p:attrNameLst>
+                                          <p:attrName>style.visibility</p:attrName>
+                                        </p:attrNameLst>
+                                      </p:cBhvr>
+                                      <p:to>
+                                        <p:strVal val="visible"/>
+                                      </p:to>
+                                    </p:set>
+                                    <p:animEffect transition="in" filter="fade">
+                                      <p:cBhvr>
+                                        <p:cTn id="7" dur="500"/>
+                                        <p:tgtEl>
+                                          <p:spTgt spid="3">
+                                            <p:txEl>
+                                              <p:pRg st="0" end="0"/>
+                                            </p:txEl>
+                                          </p:spTgt>
+                                        </p:tgtEl>
+                                      </p:cBhvr>
+                                    </p:animEffect>
+                                  </p:childTnLst>
+                                </p:cTn>
+                              </p:par>
+                            </p:childTnLst>
+                          </p:cTn>
+                        </p:par>
+                      </p:childTnLst>
+                    </p:cTn>
+                  </p:par>
+                  <p:par>
+                    <p:cTn id="8" fill="hold">
+                      <p:stCondLst>
+                        <p:cond delay="indefinite"/>
+                      </p:stCondLst>
+                      <p:childTnLst>
+                        <p:par>
+                          <p:cTn id="9" fill="hold">
+                            <p:stCondLst>
+                              <p:cond delay="0"/>
+                            </p:stCondLst>
+                            <p:childTnLst>
+                              <p:par>
+                                <p:cTn id="10" presetID="10" presetClass="entr" presetSubtype="0" fill="hold" nodeType="clickEffect">
+                                  <p:stCondLst>
+                                    <p:cond delay="0"/>
+                                  </p:stCondLst>
+                                  <p:childTnLst>
+                                    <p:set>
+                                      <p:cBhvr>
+                                        <p:cTn id="11" dur="1" fill="hold">
+                                          <p:stCondLst>
+                                            <p:cond delay="0"/>
+                                          </p:stCondLst>
+                                        </p:cTn>
+                                        <p:tgtEl>
+                                          <p:spTgt spid="3">
+                                            <p:txEl>
+                                              <p:pRg st="1" end="1"/>
+                                            </p:txEl>
+                                          </p:spTgt>
+                                        </p:tgtEl>
+                                        <p:attrNameLst>
+                                          <p:attrName>style.visibility</p:attrName>
+                                        </p:attrNameLst>
+                                      </p:cBhvr>
+                                      <p:to>
+                                        <p:strVal val="visible"/>
+                                      </p:to>
+                                    </p:set>
+                                    <p:animEffect transition="in" filter="fade">
+                                      <p:cBhvr>
+                                        <p:cTn id="12" dur="500"/>
+                                        <p:tgtEl>
+                                          <p:spTgt spid="3">
+                                            <p:txEl>
+                                              <p:pRg st="1" end="1"/>
+                                            </p:txEl>
+                                          </p:spTgt>
+                                        </p:tgtEl>
+                                      </p:cBhvr>
+                                    </p:animEffect>
+                                  </p:childTnLst>
+                                </p:cTn>
+                              </p:par>
+                              <p:par>
+                                <p:cTn id="13" presetID="10" presetClass="entr" presetSubtype="0" fill="hold" nodeType="withEffect">
+                                  <p:stCondLst>
+                                    <p:cond delay="0"/>
+                                  </p:stCondLst>
+                                  <p:childTnLst>
+                                    <p:set>
+                                      <p:cBhvr>
+                                        <p:cTn id="14" dur="1" fill="hold">
+                                          <p:stCondLst>
+                                            <p:cond delay="0"/>
+                                          </p:stCondLst>
+                                        </p:cTn>
+                                        <p:tgtEl>
+                                          <p:spTgt spid="3">
+                                            <p:txEl>
+                                              <p:pRg st="2" end="2"/>
+                                            </p:txEl>
+                                          </p:spTgt>
+                                        </p:tgtEl>
+                                        <p:attrNameLst>
+                                          <p:attrName>style.visibility</p:attrName>
+                                        </p:attrNameLst>
+                                      </p:cBhvr>
+                                      <p:to>
+                                        <p:strVal val="visible"/>
+                                      </p:to>
+                                    </p:set>
+                                    <p:animEffect transition="in" filter="fade">
+                                      <p:cBhvr>
+                                        <p:cTn id="15" dur="500"/>
+                                        <p:tgtEl>
+                                          <p:spTgt spid="3">
+                                            <p:txEl>
+                                              <p:pRg st="2" end="2"/>
+                                            </p:txEl>
+                                          </p:spTgt>
+                                        </p:tgtEl>
+                                      </p:cBhvr>
+                                    </p:animEffect>
+                                  </p:childTnLst>
+                                </p:cTn>
+                              </p:par>
+                              <p:par>
+                                <p:cTn id="16" presetID="10" presetClass="entr" presetSubtype="0" fill="hold" nodeType="withEffect">
+                                  <p:stCondLst>
+                                    <p:cond delay="0"/>
+                                  </p:stCondLst>
+                                  <p:childTnLst>
+                                    <p:set>
+                                      <p:cBhvr>
+                                        <p:cTn id="17" dur="1" fill="hold">
+                                          <p:stCondLst>
+                                            <p:cond delay="0"/>
+                                          </p:stCondLst>
+                                        </p:cTn>
+                                        <p:tgtEl>
+                                          <p:spTgt spid="3">
+                                            <p:txEl>
+                                              <p:pRg st="3" end="3"/>
+                                            </p:txEl>
+                                          </p:spTgt>
+                                        </p:tgtEl>
+                                        <p:attrNameLst>
+                                          <p:attrName>style.visibility</p:attrName>
+                                        </p:attrNameLst>
+                                      </p:cBhvr>
+                                      <p:to>
+                                        <p:strVal val="visible"/>
+                                      </p:to>
+                                    </p:set>
+                                    <p:animEffect transition="in" filter="fade">
+                                      <p:cBhvr>
+                                        <p:cTn id="18" dur="500"/>
+                                        <p:tgtEl>
+                                          <p:spTgt spid="3">
+                                            <p:txEl>
+                                              <p:pRg st="3" end="3"/>
+                                            </p:txEl>
+                                          </p:spTgt>
+                                        </p:tgtEl>
+                                      </p:cBhvr>
+                                    </p:animEffect>
+                                  </p:childTnLst>
+                                </p:cTn>
+                              </p:par>
+                            </p:childTnLst>
+                          </p:cTn>
+                        </p:par>
+                      </p:childTnLst>
+                    </p:cTn>
+                  </p:par>
+                  <p:par>
+                    <p:cTn id="19" fill="hold">
+                      <p:stCondLst>
+                        <p:cond delay="indefinite"/>
+                      </p:stCondLst>
+                      <p:childTnLst>
+                        <p:par>
+                          <p:cTn id="20" fill="hold">
+                            <p:stCondLst>
+                              <p:cond delay="0"/>
+                            </p:stCondLst>
+                            <p:childTnLst>
+                              <p:par>
+                                <p:cTn id="21" presetID="10" presetClass="entr" presetSubtype="0" fill="hold" nodeType="clickEffect">
+                                  <p:stCondLst>
+                                    <p:cond delay="0"/>
+                                  </p:stCondLst>
+                                  <p:childTnLst>
+                                    <p:set>
+                                      <p:cBhvr>
+                                        <p:cTn id="22" dur="1" fill="hold">
+                                          <p:stCondLst>
+                                            <p:cond delay="0"/>
+                                          </p:stCondLst>
+                                        </p:cTn>
+                                        <p:tgtEl>
+                                          <p:spTgt spid="3">
+                                            <p:txEl>
+                                              <p:pRg st="4" end="4"/>
+                                            </p:txEl>
+                                          </p:spTgt>
+                                        </p:tgtEl>
+                                        <p:attrNameLst>
+                                          <p:attrName>style.visibility</p:attrName>
+                                        </p:attrNameLst>
+                                      </p:cBhvr>
+                                      <p:to>
+                                        <p:strVal val="visible"/>
+                                      </p:to>
+                                    </p:set>
+                                    <p:animEffect transition="in" filter="fade">
+                                      <p:cBhvr>
+                                        <p:cTn id="23" dur="500"/>
+                                        <p:tgtEl>
+                                          <p:spTgt spid="3">
+                                            <p:txEl>
+                                              <p:pRg st="4" end="4"/>
+                                            </p:txEl>
+                                          </p:spTgt>
+                                        </p:tgtEl>
+                                      </p:cBhvr>
+                                    </p:animEffect>
+                                  </p:childTnLst>
+                                </p:cTn>
+                              </p:par>
+                            </p:childTnLst>
+                          </p:cTn>
+                        </p:par>
+                      </p:childTnLst>
+                    </p:cTn>
+                  </p:par>
+                  <p:par>
+                    <p:cTn id="24" fill="hold">
+                      <p:stCondLst>
+                        <p:cond delay="indefinite"/>
+                      </p:stCondLst>
+                      <p:childTnLst>
+                        <p:par>
+                          <p:cTn id="25" fill="hold">
+                            <p:stCondLst>
+                              <p:cond delay="0"/>
+                            </p:stCondLst>
+                            <p:childTnLst>
+                              <p:par>
+                                <p:cTn id="26" presetID="10" presetClass="entr" presetSubtype="0" fill="hold" nodeType="clickEffect">
+                                  <p:stCondLst>
+                                    <p:cond delay="0"/>
+                                  </p:stCondLst>
+                                  <p:childTnLst>
+                                    <p:set>
+                                      <p:cBhvr>
+                                        <p:cTn id="27" dur="1" fill="hold">
+                                          <p:stCondLst>
+                                            <p:cond delay="0"/>
+                                          </p:stCondLst>
+                                        </p:cTn>
+                                        <p:tgtEl>
+                                          <p:spTgt spid="3">
+                                            <p:txEl>
+                                              <p:pRg st="5" end="5"/>
+                                            </p:txEl>
+                                          </p:spTgt>
+                                        </p:tgtEl>
+                                        <p:attrNameLst>
+                                          <p:attrName>style.visibility</p:attrName>
+                                        </p:attrNameLst>
+                                      </p:cBhvr>
+                                      <p:to>
+                                        <p:strVal val="visible"/>
+                                      </p:to>
+                                    </p:set>
+                                    <p:animEffect transition="in" filter="fade">
+                                      <p:cBhvr>
+                                        <p:cTn id="28" dur="500"/>
+                                        <p:tgtEl>
+                                          <p:spTgt spid="3">
+                                            <p:txEl>
+                                              <p:pRg st="5" end="5"/>
+                                            </p:txEl>
+                                          </p:spTgt>
+                                        </p:tgtEl>
+                                      </p:cBhvr>
+                                    </p:animEffect>
+                                  </p:childTnLst>
+                                </p:cTn>
+                              </p:par>
+                              <p:par>
+                                <p:cTn id="29" presetID="10" presetClass="entr" presetSubtype="0" fill="hold" nodeType="withEffect">
+                                  <p:stCondLst>
+                                    <p:cond delay="0"/>
+                                  </p:stCondLst>
+                                  <p:childTnLst>
+                                    <p:set>
+                                      <p:cBhvr>
+                                        <p:cTn id="30" dur="1" fill="hold">
+                                          <p:stCondLst>
+                                            <p:cond delay="0"/>
+                                          </p:stCondLst>
+                                        </p:cTn>
+                                        <p:tgtEl>
+                                          <p:spTgt spid="3">
+                                            <p:txEl>
+                                              <p:pRg st="6" end="6"/>
+                                            </p:txEl>
+                                          </p:spTgt>
+                                        </p:tgtEl>
+                                        <p:attrNameLst>
+                                          <p:attrName>style.visibility</p:attrName>
+                                        </p:attrNameLst>
+                                      </p:cBhvr>
+                                      <p:to>
+                                        <p:strVal val="visible"/>
+                                      </p:to>
+                                    </p:set>
+                                    <p:animEffect transition="in" filter="fade">
+                                      <p:cBhvr>
+                                        <p:cTn id="31" dur="500"/>
+                                        <p:tgtEl>
+                                          <p:spTgt spid="3">
+                                            <p:txEl>
+                                              <p:pRg st="6" end="6"/>
+                                            </p:txEl>
+                                          </p:spTgt>
+                                        </p:tgtEl>
+                                      </p:cBhvr>
+                                    </p:animEffect>
+                                  </p:childTnLst>
+                                </p:cTn>
+                              </p:par>
+                              <p:par>
+                                <p:cTn id="32" presetID="10" presetClass="entr" presetSubtype="0" fill="hold" nodeType="withEffect">
+                                  <p:stCondLst>
+                                    <p:cond delay="0"/>
+                                  </p:stCondLst>
+                                  <p:childTnLst>
+                                    <p:set>
+                                      <p:cBhvr>
+                                        <p:cTn id="33" dur="1" fill="hold">
+                                          <p:stCondLst>
+                                            <p:cond delay="0"/>
+                                          </p:stCondLst>
+                                        </p:cTn>
+                                        <p:tgtEl>
+                                          <p:spTgt spid="3">
+                                            <p:txEl>
+                                              <p:pRg st="7" end="7"/>
+                                            </p:txEl>
+                                          </p:spTgt>
+                                        </p:tgtEl>
+                                        <p:attrNameLst>
+                                          <p:attrName>style.visibility</p:attrName>
+                                        </p:attrNameLst>
+                                      </p:cBhvr>
+                                      <p:to>
+                                        <p:strVal val="visible"/>
+                                      </p:to>
+                                    </p:set>
+                                    <p:animEffect transition="in" filter="fade">
+                                      <p:cBhvr>
+                                        <p:cTn id="34" dur="500"/>
+                                        <p:tgtEl>
+                                          <p:spTgt spid="3">
+                                            <p:txEl>
+                                              <p:pRg st="7" end="7"/>
+                                            </p:txEl>
+                                          </p:spTgt>
+                                        </p:tgtEl>
+                                      </p:cBhvr>
+                                    </p:animEffect>
+                                  </p:childTnLst>
+                                </p:cTn>
+                              </p:par>
+                            </p:childTnLst>
+                          </p:cTn>
+                        </p:par>
+                      </p:childTnLst>
+                    </p:cTn>
+                  </p:par>
+                  <p:par>
+                    <p:cTn id="35" fill="hold">
+                      <p:stCondLst>
+                        <p:cond delay="indefinite"/>
+                      </p:stCondLst>
+                      <p:childTnLst>
+                        <p:par>
+                          <p:cTn id="36" fill="hold">
+                            <p:stCondLst>
+                              <p:cond delay="0"/>
+                            </p:stCondLst>
+                            <p:childTnLst>
+                              <p:par>
+                                <p:cTn id="37" presetID="10" presetClass="entr" presetSubtype="0" fill="hold" nodeType="clickEffect">
+                                  <p:stCondLst>
+                                    <p:cond delay="0"/>
+                                  </p:stCondLst>
+                                  <p:childTnLst>
+                                    <p:set>
+                                      <p:cBhvr>
+                                        <p:cTn id="38" dur="1" fill="hold">
+                                          <p:stCondLst>
+                                            <p:cond delay="0"/>
+                                          </p:stCondLst>
+                                        </p:cTn>
+                                        <p:tgtEl>
+                                          <p:spTgt spid="3">
+                                            <p:txEl>
+                                              <p:pRg st="8" end="8"/>
+                                            </p:txEl>
+                                          </p:spTgt>
+                                        </p:tgtEl>
+                                        <p:attrNameLst>
+                                          <p:attrName>style.visibility</p:attrName>
+                                        </p:attrNameLst>
+                                      </p:cBhvr>
+                                      <p:to>
+                                        <p:strVal val="visible"/>
+                                      </p:to>
+                                    </p:set>
+                                    <p:animEffect transition="in" filter="fade">
+                                      <p:cBhvr>
+                                        <p:cTn id="39" dur="500"/>
+                                        <p:tgtEl>
+                                          <p:spTgt spid="3">
+                                            <p:txEl>
+                                              <p:pRg st="8" end="8"/>
+                                            </p:txEl>
+                                          </p:spTgt>
+                                        </p:tgtEl>
+                                      </p:cBhvr>
+                                    </p:animEffect>
+                                  </p:childTnLst>
+                                </p:cTn>
+                              </p:par>
+                            </p:childTnLst>
+                          </p:cTn>
+                        </p:par>
+                      </p:childTnLst>
+                    </p:cTn>
+                  </p:par>
+                </p:childTnLst>
+              </p:cTn>
+              <p:prevCondLst>
+                <p:cond evt="onPrev" delay="0">
+                  <p:tgtEl>
+                    <p:sldTgt/>
+                  </p:tgtEl>
+                </p:cond>
+              </p:prevCondLst>
+              <p:nextCondLst>
+                <p:cond evt="onNext" delay="0">
+                  <p:tgtEl>
+                    <p:sldTgt/>
+                  </p:tgtEl>
+                </p:cond>
+              </p:nextCondLst>
+            </p:seq>
+          </p:childTnLst>
+        </p:cTn>
+      </p:par>
+    </p:tnLst>
+  </p:timing>
 </p:sld>
 </file>
 
@@ -5574,6 +7127,201 @@
   <p:clrMapOvr>
     <a:masterClrMapping/>
   </p:clrMapOvr>
+  <p:timing>
+    <p:tnLst>
+      <p:par>
+        <p:cTn id="1" dur="indefinite" restart="never" nodeType="tmRoot">
+          <p:childTnLst>
+            <p:seq concurrent="1" nextAc="seek">
+              <p:cTn id="2" dur="indefinite" nodeType="mainSeq">
+                <p:childTnLst>
+                  <p:par>
+                    <p:cTn id="3" fill="hold">
+                      <p:stCondLst>
+                        <p:cond delay="indefinite"/>
+                      </p:stCondLst>
+                      <p:childTnLst>
+                        <p:par>
+                          <p:cTn id="4" fill="hold">
+                            <p:stCondLst>
+                              <p:cond delay="0"/>
+                            </p:stCondLst>
+                            <p:childTnLst>
+                              <p:par>
+                                <p:cTn id="5" presetID="10" presetClass="entr" presetSubtype="0" fill="hold" nodeType="clickEffect">
+                                  <p:stCondLst>
+                                    <p:cond delay="0"/>
+                                  </p:stCondLst>
+                                  <p:childTnLst>
+                                    <p:set>
+                                      <p:cBhvr>
+                                        <p:cTn id="6" dur="1" fill="hold">
+                                          <p:stCondLst>
+                                            <p:cond delay="0"/>
+                                          </p:stCondLst>
+                                        </p:cTn>
+                                        <p:tgtEl>
+                                          <p:spTgt spid="3">
+                                            <p:txEl>
+                                              <p:pRg st="0" end="0"/>
+                                            </p:txEl>
+                                          </p:spTgt>
+                                        </p:tgtEl>
+                                        <p:attrNameLst>
+                                          <p:attrName>style.visibility</p:attrName>
+                                        </p:attrNameLst>
+                                      </p:cBhvr>
+                                      <p:to>
+                                        <p:strVal val="visible"/>
+                                      </p:to>
+                                    </p:set>
+                                    <p:animEffect transition="in" filter="fade">
+                                      <p:cBhvr>
+                                        <p:cTn id="7" dur="500"/>
+                                        <p:tgtEl>
+                                          <p:spTgt spid="3">
+                                            <p:txEl>
+                                              <p:pRg st="0" end="0"/>
+                                            </p:txEl>
+                                          </p:spTgt>
+                                        </p:tgtEl>
+                                      </p:cBhvr>
+                                    </p:animEffect>
+                                  </p:childTnLst>
+                                </p:cTn>
+                              </p:par>
+                              <p:par>
+                                <p:cTn id="8" presetID="10" presetClass="entr" presetSubtype="0" fill="hold" nodeType="withEffect">
+                                  <p:stCondLst>
+                                    <p:cond delay="0"/>
+                                  </p:stCondLst>
+                                  <p:childTnLst>
+                                    <p:set>
+                                      <p:cBhvr>
+                                        <p:cTn id="9" dur="1" fill="hold">
+                                          <p:stCondLst>
+                                            <p:cond delay="0"/>
+                                          </p:stCondLst>
+                                        </p:cTn>
+                                        <p:tgtEl>
+                                          <p:spTgt spid="3">
+                                            <p:txEl>
+                                              <p:pRg st="1" end="1"/>
+                                            </p:txEl>
+                                          </p:spTgt>
+                                        </p:tgtEl>
+                                        <p:attrNameLst>
+                                          <p:attrName>style.visibility</p:attrName>
+                                        </p:attrNameLst>
+                                      </p:cBhvr>
+                                      <p:to>
+                                        <p:strVal val="visible"/>
+                                      </p:to>
+                                    </p:set>
+                                    <p:animEffect transition="in" filter="fade">
+                                      <p:cBhvr>
+                                        <p:cTn id="10" dur="500"/>
+                                        <p:tgtEl>
+                                          <p:spTgt spid="3">
+                                            <p:txEl>
+                                              <p:pRg st="1" end="1"/>
+                                            </p:txEl>
+                                          </p:spTgt>
+                                        </p:tgtEl>
+                                      </p:cBhvr>
+                                    </p:animEffect>
+                                  </p:childTnLst>
+                                </p:cTn>
+                              </p:par>
+                            </p:childTnLst>
+                          </p:cTn>
+                        </p:par>
+                      </p:childTnLst>
+                    </p:cTn>
+                  </p:par>
+                  <p:par>
+                    <p:cTn id="11" fill="hold">
+                      <p:stCondLst>
+                        <p:cond delay="indefinite"/>
+                      </p:stCondLst>
+                      <p:childTnLst>
+                        <p:par>
+                          <p:cTn id="12" fill="hold">
+                            <p:stCondLst>
+                              <p:cond delay="0"/>
+                            </p:stCondLst>
+                            <p:childTnLst>
+                              <p:par>
+                                <p:cTn id="13" presetID="10" presetClass="entr" presetSubtype="0" fill="hold" nodeType="clickEffect">
+                                  <p:stCondLst>
+                                    <p:cond delay="0"/>
+                                  </p:stCondLst>
+                                  <p:childTnLst>
+                                    <p:set>
+                                      <p:cBhvr>
+                                        <p:cTn id="14" dur="1" fill="hold">
+                                          <p:stCondLst>
+                                            <p:cond delay="0"/>
+                                          </p:stCondLst>
+                                        </p:cTn>
+                                        <p:tgtEl>
+                                          <p:spTgt spid="3">
+                                            <p:txEl>
+                                              <p:pRg st="2" end="2"/>
+                                            </p:txEl>
+                                          </p:spTgt>
+                                        </p:tgtEl>
+                                        <p:attrNameLst>
+                                          <p:attrName>style.visibility</p:attrName>
+                                        </p:attrNameLst>
+                                      </p:cBhvr>
+                                      <p:to>
+                                        <p:strVal val="visible"/>
+                                      </p:to>
+                                    </p:set>
+                                    <p:animEffect transition="in" filter="fade">
+                                      <p:cBhvr>
+                                        <p:cTn id="15" dur="500"/>
+                                        <p:tgtEl>
+                                          <p:spTgt spid="3">
+                                            <p:txEl>
+                                              <p:pRg st="2" end="2"/>
+                                            </p:txEl>
+                                          </p:spTgt>
+                                        </p:tgtEl>
+                                      </p:cBhvr>
+                                    </p:animEffect>
+                                  </p:childTnLst>
+                                </p:cTn>
+                              </p:par>
+                            </p:childTnLst>
+                          </p:cTn>
+                        </p:par>
+                      </p:childTnLst>
+                    </p:cTn>
+                  </p:par>
+                </p:childTnLst>
+              </p:cTn>
+              <p:prevCondLst>
+                <p:cond evt="onPrev" delay="0">
+                  <p:tgtEl>
+                    <p:sldTgt/>
+                  </p:tgtEl>
+                </p:cond>
+              </p:prevCondLst>
+              <p:nextCondLst>
+                <p:cond evt="onNext" delay="0">
+                  <p:tgtEl>
+                    <p:sldTgt/>
+                  </p:tgtEl>
+                </p:cond>
+              </p:nextCondLst>
+            </p:seq>
+          </p:childTnLst>
+        </p:cTn>
+      </p:par>
+    </p:tnLst>
+  </p:timing>
 </p:sld>
 </file>
 
@@ -5651,37 +7399,13 @@
             </a:r>
             <a:r>
               <a:rPr lang="en-US" dirty="0" smtClean="0"/>
-              <a:t>t, </a:t>
-            </a:r>
-            <a:r>
-              <a:rPr lang="en-US" dirty="0" smtClean="0"/>
-              <a:t>but they shouldn't represent most data within the software we write</a:t>
-            </a:r>
-            <a:r>
-              <a:rPr lang="en-US" dirty="0" smtClean="0"/>
-              <a:t>)</a:t>
-            </a:r>
-          </a:p>
-          <a:p>
-            <a:r>
-              <a:rPr lang="en-US" dirty="0" smtClean="0"/>
-              <a:t>We </a:t>
-            </a:r>
-            <a:r>
-              <a:rPr lang="en-US" dirty="0" smtClean="0"/>
-              <a:t>want to escape the big bad outside world </a:t>
-            </a:r>
-            <a:r>
-              <a:rPr lang="en-US" dirty="0" smtClean="0"/>
-              <a:t>and </a:t>
-            </a:r>
-            <a:r>
-              <a:rPr lang="en-US" dirty="0" smtClean="0"/>
-              <a:t>work within our safe and predictable </a:t>
-            </a:r>
-            <a:r>
-              <a:rPr lang="en-US" dirty="0" smtClean="0"/>
-              <a:t>world</a:t>
+              <a:t>t, but they shouldn't represent most data within the software we write)</a:t>
+            </a:r>
+          </a:p>
+          <a:p>
+            <a:r>
+              <a:rPr lang="en-US" dirty="0" smtClean="0"/>
+              <a:t>We want to escape the big bad outside world and work within our safe and predictable world</a:t>
             </a:r>
           </a:p>
           <a:p>
@@ -5697,16 +7421,11 @@
               <a:rPr lang="en-US" dirty="0" smtClean="0"/>
               <a:t> or Complex objects (building blocks)</a:t>
             </a:r>
-            <a:endParaRPr lang="en-US" dirty="0" smtClean="0"/>
-          </a:p>
-          <a:p>
-            <a:r>
-              <a:rPr lang="en-US" dirty="0" smtClean="0"/>
-              <a:t>Also </a:t>
-            </a:r>
-            <a:r>
-              <a:rPr lang="en-US" dirty="0" smtClean="0"/>
-              <a:t>know as </a:t>
+          </a:p>
+          <a:p>
+            <a:r>
+              <a:rPr lang="en-US" dirty="0" smtClean="0"/>
+              <a:t>Also know as </a:t>
             </a:r>
             <a:r>
               <a:rPr lang="en-US" i="1" dirty="0" smtClean="0"/>
@@ -5739,7 +7458,274 @@
   <p:timing>
     <p:tnLst>
       <p:par>
-        <p:cTn id="1" dur="indefinite" restart="never" nodeType="tmRoot"/>
+        <p:cTn id="1" dur="indefinite" restart="never" nodeType="tmRoot">
+          <p:childTnLst>
+            <p:seq concurrent="1" nextAc="seek">
+              <p:cTn id="2" dur="indefinite" nodeType="mainSeq">
+                <p:childTnLst>
+                  <p:par>
+                    <p:cTn id="3" fill="hold">
+                      <p:stCondLst>
+                        <p:cond delay="indefinite"/>
+                      </p:stCondLst>
+                      <p:childTnLst>
+                        <p:par>
+                          <p:cTn id="4" fill="hold">
+                            <p:stCondLst>
+                              <p:cond delay="0"/>
+                            </p:stCondLst>
+                            <p:childTnLst>
+                              <p:par>
+                                <p:cTn id="5" presetID="10" presetClass="entr" presetSubtype="0" fill="hold" nodeType="clickEffect">
+                                  <p:stCondLst>
+                                    <p:cond delay="0"/>
+                                  </p:stCondLst>
+                                  <p:childTnLst>
+                                    <p:set>
+                                      <p:cBhvr>
+                                        <p:cTn id="6" dur="1" fill="hold">
+                                          <p:stCondLst>
+                                            <p:cond delay="0"/>
+                                          </p:stCondLst>
+                                        </p:cTn>
+                                        <p:tgtEl>
+                                          <p:spTgt spid="3">
+                                            <p:txEl>
+                                              <p:pRg st="0" end="0"/>
+                                            </p:txEl>
+                                          </p:spTgt>
+                                        </p:tgtEl>
+                                        <p:attrNameLst>
+                                          <p:attrName>style.visibility</p:attrName>
+                                        </p:attrNameLst>
+                                      </p:cBhvr>
+                                      <p:to>
+                                        <p:strVal val="visible"/>
+                                      </p:to>
+                                    </p:set>
+                                    <p:animEffect transition="in" filter="fade">
+                                      <p:cBhvr>
+                                        <p:cTn id="7" dur="500"/>
+                                        <p:tgtEl>
+                                          <p:spTgt spid="3">
+                                            <p:txEl>
+                                              <p:pRg st="0" end="0"/>
+                                            </p:txEl>
+                                          </p:spTgt>
+                                        </p:tgtEl>
+                                      </p:cBhvr>
+                                    </p:animEffect>
+                                  </p:childTnLst>
+                                </p:cTn>
+                              </p:par>
+                            </p:childTnLst>
+                          </p:cTn>
+                        </p:par>
+                      </p:childTnLst>
+                    </p:cTn>
+                  </p:par>
+                  <p:par>
+                    <p:cTn id="8" fill="hold">
+                      <p:stCondLst>
+                        <p:cond delay="indefinite"/>
+                      </p:stCondLst>
+                      <p:childTnLst>
+                        <p:par>
+                          <p:cTn id="9" fill="hold">
+                            <p:stCondLst>
+                              <p:cond delay="0"/>
+                            </p:stCondLst>
+                            <p:childTnLst>
+                              <p:par>
+                                <p:cTn id="10" presetID="10" presetClass="entr" presetSubtype="0" fill="hold" nodeType="clickEffect">
+                                  <p:stCondLst>
+                                    <p:cond delay="0"/>
+                                  </p:stCondLst>
+                                  <p:childTnLst>
+                                    <p:set>
+                                      <p:cBhvr>
+                                        <p:cTn id="11" dur="1" fill="hold">
+                                          <p:stCondLst>
+                                            <p:cond delay="0"/>
+                                          </p:stCondLst>
+                                        </p:cTn>
+                                        <p:tgtEl>
+                                          <p:spTgt spid="3">
+                                            <p:txEl>
+                                              <p:pRg st="1" end="1"/>
+                                            </p:txEl>
+                                          </p:spTgt>
+                                        </p:tgtEl>
+                                        <p:attrNameLst>
+                                          <p:attrName>style.visibility</p:attrName>
+                                        </p:attrNameLst>
+                                      </p:cBhvr>
+                                      <p:to>
+                                        <p:strVal val="visible"/>
+                                      </p:to>
+                                    </p:set>
+                                    <p:animEffect transition="in" filter="fade">
+                                      <p:cBhvr>
+                                        <p:cTn id="12" dur="500"/>
+                                        <p:tgtEl>
+                                          <p:spTgt spid="3">
+                                            <p:txEl>
+                                              <p:pRg st="1" end="1"/>
+                                            </p:txEl>
+                                          </p:spTgt>
+                                        </p:tgtEl>
+                                      </p:cBhvr>
+                                    </p:animEffect>
+                                  </p:childTnLst>
+                                </p:cTn>
+                              </p:par>
+                            </p:childTnLst>
+                          </p:cTn>
+                        </p:par>
+                      </p:childTnLst>
+                    </p:cTn>
+                  </p:par>
+                  <p:par>
+                    <p:cTn id="13" fill="hold">
+                      <p:stCondLst>
+                        <p:cond delay="indefinite"/>
+                      </p:stCondLst>
+                      <p:childTnLst>
+                        <p:par>
+                          <p:cTn id="14" fill="hold">
+                            <p:stCondLst>
+                              <p:cond delay="0"/>
+                            </p:stCondLst>
+                            <p:childTnLst>
+                              <p:par>
+                                <p:cTn id="15" presetID="10" presetClass="entr" presetSubtype="0" fill="hold" nodeType="clickEffect">
+                                  <p:stCondLst>
+                                    <p:cond delay="0"/>
+                                  </p:stCondLst>
+                                  <p:childTnLst>
+                                    <p:set>
+                                      <p:cBhvr>
+                                        <p:cTn id="16" dur="1" fill="hold">
+                                          <p:stCondLst>
+                                            <p:cond delay="0"/>
+                                          </p:stCondLst>
+                                        </p:cTn>
+                                        <p:tgtEl>
+                                          <p:spTgt spid="3">
+                                            <p:txEl>
+                                              <p:pRg st="2" end="2"/>
+                                            </p:txEl>
+                                          </p:spTgt>
+                                        </p:tgtEl>
+                                        <p:attrNameLst>
+                                          <p:attrName>style.visibility</p:attrName>
+                                        </p:attrNameLst>
+                                      </p:cBhvr>
+                                      <p:to>
+                                        <p:strVal val="visible"/>
+                                      </p:to>
+                                    </p:set>
+                                    <p:animEffect transition="in" filter="fade">
+                                      <p:cBhvr>
+                                        <p:cTn id="17" dur="500"/>
+                                        <p:tgtEl>
+                                          <p:spTgt spid="3">
+                                            <p:txEl>
+                                              <p:pRg st="2" end="2"/>
+                                            </p:txEl>
+                                          </p:spTgt>
+                                        </p:tgtEl>
+                                      </p:cBhvr>
+                                    </p:animEffect>
+                                  </p:childTnLst>
+                                </p:cTn>
+                              </p:par>
+                            </p:childTnLst>
+                          </p:cTn>
+                        </p:par>
+                      </p:childTnLst>
+                    </p:cTn>
+                  </p:par>
+                  <p:par>
+                    <p:cTn id="18" fill="hold">
+                      <p:stCondLst>
+                        <p:cond delay="indefinite"/>
+                      </p:stCondLst>
+                      <p:childTnLst>
+                        <p:par>
+                          <p:cTn id="19" fill="hold">
+                            <p:stCondLst>
+                              <p:cond delay="0"/>
+                            </p:stCondLst>
+                            <p:childTnLst>
+                              <p:par>
+                                <p:cTn id="20" presetID="10" presetClass="entr" presetSubtype="0" fill="hold" nodeType="clickEffect">
+                                  <p:stCondLst>
+                                    <p:cond delay="0"/>
+                                  </p:stCondLst>
+                                  <p:childTnLst>
+                                    <p:set>
+                                      <p:cBhvr>
+                                        <p:cTn id="21" dur="1" fill="hold">
+                                          <p:stCondLst>
+                                            <p:cond delay="0"/>
+                                          </p:stCondLst>
+                                        </p:cTn>
+                                        <p:tgtEl>
+                                          <p:spTgt spid="3">
+                                            <p:txEl>
+                                              <p:pRg st="3" end="3"/>
+                                            </p:txEl>
+                                          </p:spTgt>
+                                        </p:tgtEl>
+                                        <p:attrNameLst>
+                                          <p:attrName>style.visibility</p:attrName>
+                                        </p:attrNameLst>
+                                      </p:cBhvr>
+                                      <p:to>
+                                        <p:strVal val="visible"/>
+                                      </p:to>
+                                    </p:set>
+                                    <p:animEffect transition="in" filter="fade">
+                                      <p:cBhvr>
+                                        <p:cTn id="22" dur="500"/>
+                                        <p:tgtEl>
+                                          <p:spTgt spid="3">
+                                            <p:txEl>
+                                              <p:pRg st="3" end="3"/>
+                                            </p:txEl>
+                                          </p:spTgt>
+                                        </p:tgtEl>
+                                      </p:cBhvr>
+                                    </p:animEffect>
+                                  </p:childTnLst>
+                                </p:cTn>
+                              </p:par>
+                            </p:childTnLst>
+                          </p:cTn>
+                        </p:par>
+                      </p:childTnLst>
+                    </p:cTn>
+                  </p:par>
+                </p:childTnLst>
+              </p:cTn>
+              <p:prevCondLst>
+                <p:cond evt="onPrev" delay="0">
+                  <p:tgtEl>
+                    <p:sldTgt/>
+                  </p:tgtEl>
+                </p:cond>
+              </p:prevCondLst>
+              <p:nextCondLst>
+                <p:cond evt="onNext" delay="0">
+                  <p:tgtEl>
+                    <p:sldTgt/>
+                  </p:tgtEl>
+                </p:cond>
+              </p:nextCondLst>
+            </p:seq>
+          </p:childTnLst>
+        </p:cTn>
       </p:par>
     </p:tnLst>
   </p:timing>
@@ -5818,11 +7804,7 @@
             <a:pPr lvl="1"/>
             <a:r>
               <a:rPr lang="en-US" dirty="0" smtClean="0"/>
-              <a:t>Make it </a:t>
-            </a:r>
-            <a:r>
-              <a:rPr lang="en-US" dirty="0" smtClean="0"/>
-              <a:t>explicit</a:t>
+              <a:t>Make it explicit</a:t>
             </a:r>
           </a:p>
           <a:p>
@@ -5849,9 +7831,12 @@
           <a:p>
             <a:r>
               <a:rPr lang="en-US" dirty="0" smtClean="0"/>
-              <a:t>The Match function; decide what to do with present or missing data when you need it</a:t>
-            </a:r>
-            <a:endParaRPr lang="en-US" dirty="0" smtClean="0"/>
+              <a:t>Pattern matching; </a:t>
+            </a:r>
+            <a:r>
+              <a:rPr lang="en-US" dirty="0" smtClean="0"/>
+              <a:t>decide what to do with present or missing data when you need it</a:t>
+            </a:r>
           </a:p>
           <a:p>
             <a:endParaRPr lang="en-US" dirty="0" smtClean="0"/>
@@ -5881,7 +7866,360 @@
   <p:timing>
     <p:tnLst>
       <p:par>
-        <p:cTn id="1" dur="indefinite" restart="never" nodeType="tmRoot"/>
+        <p:cTn id="1" dur="indefinite" restart="never" nodeType="tmRoot">
+          <p:childTnLst>
+            <p:seq concurrent="1" nextAc="seek">
+              <p:cTn id="2" dur="indefinite" nodeType="mainSeq">
+                <p:childTnLst>
+                  <p:par>
+                    <p:cTn id="3" fill="hold">
+                      <p:stCondLst>
+                        <p:cond delay="indefinite"/>
+                      </p:stCondLst>
+                      <p:childTnLst>
+                        <p:par>
+                          <p:cTn id="4" fill="hold">
+                            <p:stCondLst>
+                              <p:cond delay="0"/>
+                            </p:stCondLst>
+                            <p:childTnLst>
+                              <p:par>
+                                <p:cTn id="5" presetID="10" presetClass="entr" presetSubtype="0" fill="hold" nodeType="clickEffect">
+                                  <p:stCondLst>
+                                    <p:cond delay="0"/>
+                                  </p:stCondLst>
+                                  <p:childTnLst>
+                                    <p:set>
+                                      <p:cBhvr>
+                                        <p:cTn id="6" dur="1" fill="hold">
+                                          <p:stCondLst>
+                                            <p:cond delay="0"/>
+                                          </p:stCondLst>
+                                        </p:cTn>
+                                        <p:tgtEl>
+                                          <p:spTgt spid="3">
+                                            <p:txEl>
+                                              <p:pRg st="0" end="0"/>
+                                            </p:txEl>
+                                          </p:spTgt>
+                                        </p:tgtEl>
+                                        <p:attrNameLst>
+                                          <p:attrName>style.visibility</p:attrName>
+                                        </p:attrNameLst>
+                                      </p:cBhvr>
+                                      <p:to>
+                                        <p:strVal val="visible"/>
+                                      </p:to>
+                                    </p:set>
+                                    <p:animEffect transition="in" filter="fade">
+                                      <p:cBhvr>
+                                        <p:cTn id="7" dur="500"/>
+                                        <p:tgtEl>
+                                          <p:spTgt spid="3">
+                                            <p:txEl>
+                                              <p:pRg st="0" end="0"/>
+                                            </p:txEl>
+                                          </p:spTgt>
+                                        </p:tgtEl>
+                                      </p:cBhvr>
+                                    </p:animEffect>
+                                  </p:childTnLst>
+                                </p:cTn>
+                              </p:par>
+                            </p:childTnLst>
+                          </p:cTn>
+                        </p:par>
+                      </p:childTnLst>
+                    </p:cTn>
+                  </p:par>
+                  <p:par>
+                    <p:cTn id="8" fill="hold">
+                      <p:stCondLst>
+                        <p:cond delay="indefinite"/>
+                      </p:stCondLst>
+                      <p:childTnLst>
+                        <p:par>
+                          <p:cTn id="9" fill="hold">
+                            <p:stCondLst>
+                              <p:cond delay="0"/>
+                            </p:stCondLst>
+                            <p:childTnLst>
+                              <p:par>
+                                <p:cTn id="10" presetID="10" presetClass="entr" presetSubtype="0" fill="hold" nodeType="clickEffect">
+                                  <p:stCondLst>
+                                    <p:cond delay="0"/>
+                                  </p:stCondLst>
+                                  <p:childTnLst>
+                                    <p:set>
+                                      <p:cBhvr>
+                                        <p:cTn id="11" dur="1" fill="hold">
+                                          <p:stCondLst>
+                                            <p:cond delay="0"/>
+                                          </p:stCondLst>
+                                        </p:cTn>
+                                        <p:tgtEl>
+                                          <p:spTgt spid="3">
+                                            <p:txEl>
+                                              <p:pRg st="1" end="1"/>
+                                            </p:txEl>
+                                          </p:spTgt>
+                                        </p:tgtEl>
+                                        <p:attrNameLst>
+                                          <p:attrName>style.visibility</p:attrName>
+                                        </p:attrNameLst>
+                                      </p:cBhvr>
+                                      <p:to>
+                                        <p:strVal val="visible"/>
+                                      </p:to>
+                                    </p:set>
+                                    <p:animEffect transition="in" filter="fade">
+                                      <p:cBhvr>
+                                        <p:cTn id="12" dur="500"/>
+                                        <p:tgtEl>
+                                          <p:spTgt spid="3">
+                                            <p:txEl>
+                                              <p:pRg st="1" end="1"/>
+                                            </p:txEl>
+                                          </p:spTgt>
+                                        </p:tgtEl>
+                                      </p:cBhvr>
+                                    </p:animEffect>
+                                  </p:childTnLst>
+                                </p:cTn>
+                              </p:par>
+                              <p:par>
+                                <p:cTn id="13" presetID="10" presetClass="entr" presetSubtype="0" fill="hold" nodeType="withEffect">
+                                  <p:stCondLst>
+                                    <p:cond delay="0"/>
+                                  </p:stCondLst>
+                                  <p:childTnLst>
+                                    <p:set>
+                                      <p:cBhvr>
+                                        <p:cTn id="14" dur="1" fill="hold">
+                                          <p:stCondLst>
+                                            <p:cond delay="0"/>
+                                          </p:stCondLst>
+                                        </p:cTn>
+                                        <p:tgtEl>
+                                          <p:spTgt spid="3">
+                                            <p:txEl>
+                                              <p:pRg st="2" end="2"/>
+                                            </p:txEl>
+                                          </p:spTgt>
+                                        </p:tgtEl>
+                                        <p:attrNameLst>
+                                          <p:attrName>style.visibility</p:attrName>
+                                        </p:attrNameLst>
+                                      </p:cBhvr>
+                                      <p:to>
+                                        <p:strVal val="visible"/>
+                                      </p:to>
+                                    </p:set>
+                                    <p:animEffect transition="in" filter="fade">
+                                      <p:cBhvr>
+                                        <p:cTn id="15" dur="500"/>
+                                        <p:tgtEl>
+                                          <p:spTgt spid="3">
+                                            <p:txEl>
+                                              <p:pRg st="2" end="2"/>
+                                            </p:txEl>
+                                          </p:spTgt>
+                                        </p:tgtEl>
+                                      </p:cBhvr>
+                                    </p:animEffect>
+                                  </p:childTnLst>
+                                </p:cTn>
+                              </p:par>
+                            </p:childTnLst>
+                          </p:cTn>
+                        </p:par>
+                      </p:childTnLst>
+                    </p:cTn>
+                  </p:par>
+                  <p:par>
+                    <p:cTn id="16" fill="hold">
+                      <p:stCondLst>
+                        <p:cond delay="indefinite"/>
+                      </p:stCondLst>
+                      <p:childTnLst>
+                        <p:par>
+                          <p:cTn id="17" fill="hold">
+                            <p:stCondLst>
+                              <p:cond delay="0"/>
+                            </p:stCondLst>
+                            <p:childTnLst>
+                              <p:par>
+                                <p:cTn id="18" presetID="10" presetClass="entr" presetSubtype="0" fill="hold" nodeType="clickEffect">
+                                  <p:stCondLst>
+                                    <p:cond delay="0"/>
+                                  </p:stCondLst>
+                                  <p:childTnLst>
+                                    <p:set>
+                                      <p:cBhvr>
+                                        <p:cTn id="19" dur="1" fill="hold">
+                                          <p:stCondLst>
+                                            <p:cond delay="0"/>
+                                          </p:stCondLst>
+                                        </p:cTn>
+                                        <p:tgtEl>
+                                          <p:spTgt spid="3">
+                                            <p:txEl>
+                                              <p:pRg st="3" end="3"/>
+                                            </p:txEl>
+                                          </p:spTgt>
+                                        </p:tgtEl>
+                                        <p:attrNameLst>
+                                          <p:attrName>style.visibility</p:attrName>
+                                        </p:attrNameLst>
+                                      </p:cBhvr>
+                                      <p:to>
+                                        <p:strVal val="visible"/>
+                                      </p:to>
+                                    </p:set>
+                                    <p:animEffect transition="in" filter="fade">
+                                      <p:cBhvr>
+                                        <p:cTn id="20" dur="500"/>
+                                        <p:tgtEl>
+                                          <p:spTgt spid="3">
+                                            <p:txEl>
+                                              <p:pRg st="3" end="3"/>
+                                            </p:txEl>
+                                          </p:spTgt>
+                                        </p:tgtEl>
+                                      </p:cBhvr>
+                                    </p:animEffect>
+                                  </p:childTnLst>
+                                </p:cTn>
+                              </p:par>
+                              <p:par>
+                                <p:cTn id="21" presetID="10" presetClass="entr" presetSubtype="0" fill="hold" nodeType="withEffect">
+                                  <p:stCondLst>
+                                    <p:cond delay="0"/>
+                                  </p:stCondLst>
+                                  <p:childTnLst>
+                                    <p:set>
+                                      <p:cBhvr>
+                                        <p:cTn id="22" dur="1" fill="hold">
+                                          <p:stCondLst>
+                                            <p:cond delay="0"/>
+                                          </p:stCondLst>
+                                        </p:cTn>
+                                        <p:tgtEl>
+                                          <p:spTgt spid="3">
+                                            <p:txEl>
+                                              <p:pRg st="4" end="4"/>
+                                            </p:txEl>
+                                          </p:spTgt>
+                                        </p:tgtEl>
+                                        <p:attrNameLst>
+                                          <p:attrName>style.visibility</p:attrName>
+                                        </p:attrNameLst>
+                                      </p:cBhvr>
+                                      <p:to>
+                                        <p:strVal val="visible"/>
+                                      </p:to>
+                                    </p:set>
+                                    <p:animEffect transition="in" filter="fade">
+                                      <p:cBhvr>
+                                        <p:cTn id="23" dur="500"/>
+                                        <p:tgtEl>
+                                          <p:spTgt spid="3">
+                                            <p:txEl>
+                                              <p:pRg st="4" end="4"/>
+                                            </p:txEl>
+                                          </p:spTgt>
+                                        </p:tgtEl>
+                                      </p:cBhvr>
+                                    </p:animEffect>
+                                  </p:childTnLst>
+                                </p:cTn>
+                              </p:par>
+                            </p:childTnLst>
+                          </p:cTn>
+                        </p:par>
+                      </p:childTnLst>
+                    </p:cTn>
+                  </p:par>
+                  <p:par>
+                    <p:cTn id="24" fill="hold">
+                      <p:stCondLst>
+                        <p:cond delay="indefinite"/>
+                      </p:stCondLst>
+                      <p:childTnLst>
+                        <p:par>
+                          <p:cTn id="25" fill="hold">
+                            <p:stCondLst>
+                              <p:cond delay="0"/>
+                            </p:stCondLst>
+                            <p:childTnLst>
+                              <p:par>
+                                <p:cTn id="26" presetID="10" presetClass="entr" presetSubtype="0" fill="hold" nodeType="clickEffect">
+                                  <p:stCondLst>
+                                    <p:cond delay="0"/>
+                                  </p:stCondLst>
+                                  <p:childTnLst>
+                                    <p:set>
+                                      <p:cBhvr>
+                                        <p:cTn id="27" dur="1" fill="hold">
+                                          <p:stCondLst>
+                                            <p:cond delay="0"/>
+                                          </p:stCondLst>
+                                        </p:cTn>
+                                        <p:tgtEl>
+                                          <p:spTgt spid="3">
+                                            <p:txEl>
+                                              <p:pRg st="5" end="5"/>
+                                            </p:txEl>
+                                          </p:spTgt>
+                                        </p:tgtEl>
+                                        <p:attrNameLst>
+                                          <p:attrName>style.visibility</p:attrName>
+                                        </p:attrNameLst>
+                                      </p:cBhvr>
+                                      <p:to>
+                                        <p:strVal val="visible"/>
+                                      </p:to>
+                                    </p:set>
+                                    <p:animEffect transition="in" filter="fade">
+                                      <p:cBhvr>
+                                        <p:cTn id="28" dur="500"/>
+                                        <p:tgtEl>
+                                          <p:spTgt spid="3">
+                                            <p:txEl>
+                                              <p:pRg st="5" end="5"/>
+                                            </p:txEl>
+                                          </p:spTgt>
+                                        </p:tgtEl>
+                                      </p:cBhvr>
+                                    </p:animEffect>
+                                  </p:childTnLst>
+                                </p:cTn>
+                              </p:par>
+                            </p:childTnLst>
+                          </p:cTn>
+                        </p:par>
+                      </p:childTnLst>
+                    </p:cTn>
+                  </p:par>
+                </p:childTnLst>
+              </p:cTn>
+              <p:prevCondLst>
+                <p:cond evt="onPrev" delay="0">
+                  <p:tgtEl>
+                    <p:sldTgt/>
+                  </p:tgtEl>
+                </p:cond>
+              </p:prevCondLst>
+              <p:nextCondLst>
+                <p:cond evt="onNext" delay="0">
+                  <p:tgtEl>
+                    <p:sldTgt/>
+                  </p:tgtEl>
+                </p:cond>
+              </p:nextCondLst>
+            </p:seq>
+          </p:childTnLst>
+        </p:cTn>
       </p:par>
     </p:tnLst>
   </p:timing>

--- a/Presentation/FP-makes-life-easier.pptx
+++ b/Presentation/FP-makes-life-easier.pptx
@@ -212,7 +212,7 @@
           <a:p>
             <a:fld id="{7201D896-5548-4628-BD76-E04FF5C0A1BD}" type="datetimeFigureOut">
               <a:rPr lang="en-US" smtClean="0"/>
-              <a:t>9/23/2019</a:t>
+              <a:t>9/24/2019</a:t>
             </a:fld>
             <a:endParaRPr lang="en-US"/>
           </a:p>
@@ -661,15 +661,15 @@
             </a:r>
             <a:r>
               <a:rPr lang="en-US" dirty="0" smtClean="0"/>
-              <a:t> function maps 1 to 2, 2 to 3</a:t>
-            </a:r>
-            <a:r>
-              <a:rPr lang="en-NL" dirty="0" smtClean="0"/>
-              <a:t>…</a:t>
-            </a:r>
-            <a:r>
-              <a:rPr lang="en-US" dirty="0" smtClean="0"/>
-              <a:t>. (it does not calculate anything). Example:</a:t>
+              <a:t> function maps 1 to 2, 2 to </a:t>
+            </a:r>
+            <a:r>
+              <a:rPr lang="en-US" dirty="0" smtClean="0"/>
+              <a:t>3 </a:t>
+            </a:r>
+            <a:r>
+              <a:rPr lang="en-US" dirty="0" smtClean="0"/>
+              <a:t>Example:</a:t>
             </a:r>
             <a:r>
               <a:rPr lang="en-US" baseline="0" dirty="0" smtClean="0"/>
@@ -1049,11 +1049,7 @@
             </a:r>
             <a:r>
               <a:rPr lang="en-US" baseline="0" dirty="0" smtClean="0"/>
-              <a:t> </a:t>
-            </a:r>
-            <a:r>
-              <a:rPr lang="en-US" baseline="0" dirty="0" smtClean="0"/>
-              <a:t>example; similar to </a:t>
+              <a:t> example; similar to </a:t>
             </a:r>
             <a:r>
               <a:rPr lang="en-US" baseline="0" dirty="0" err="1" smtClean="0"/>
@@ -1153,11 +1149,7 @@
             </a:r>
             <a:r>
               <a:rPr lang="en-US" baseline="0" dirty="0" smtClean="0"/>
-              <a:t> </a:t>
-            </a:r>
-            <a:r>
-              <a:rPr lang="en-US" baseline="0" dirty="0" smtClean="0"/>
-              <a:t>in </a:t>
+              <a:t> in </a:t>
             </a:r>
             <a:r>
               <a:rPr lang="en-US" baseline="0" dirty="0" err="1" smtClean="0"/>
@@ -1338,7 +1330,7 @@
           <a:p>
             <a:fld id="{691FDA15-916D-498A-83AF-8FACFD01F9EF}" type="datetimeFigureOut">
               <a:rPr lang="en-US" smtClean="0"/>
-              <a:t>9/23/2019</a:t>
+              <a:t>9/24/2019</a:t>
             </a:fld>
             <a:endParaRPr lang="en-US"/>
           </a:p>
@@ -1508,7 +1500,7 @@
           <a:p>
             <a:fld id="{691FDA15-916D-498A-83AF-8FACFD01F9EF}" type="datetimeFigureOut">
               <a:rPr lang="en-US" smtClean="0"/>
-              <a:t>9/23/2019</a:t>
+              <a:t>9/24/2019</a:t>
             </a:fld>
             <a:endParaRPr lang="en-US"/>
           </a:p>
@@ -1688,7 +1680,7 @@
           <a:p>
             <a:fld id="{691FDA15-916D-498A-83AF-8FACFD01F9EF}" type="datetimeFigureOut">
               <a:rPr lang="en-US" smtClean="0"/>
-              <a:t>9/23/2019</a:t>
+              <a:t>9/24/2019</a:t>
             </a:fld>
             <a:endParaRPr lang="en-US"/>
           </a:p>
@@ -1858,7 +1850,7 @@
           <a:p>
             <a:fld id="{691FDA15-916D-498A-83AF-8FACFD01F9EF}" type="datetimeFigureOut">
               <a:rPr lang="en-US" smtClean="0"/>
-              <a:t>9/23/2019</a:t>
+              <a:t>9/24/2019</a:t>
             </a:fld>
             <a:endParaRPr lang="en-US"/>
           </a:p>
@@ -2104,7 +2096,7 @@
           <a:p>
             <a:fld id="{691FDA15-916D-498A-83AF-8FACFD01F9EF}" type="datetimeFigureOut">
               <a:rPr lang="en-US" smtClean="0"/>
-              <a:t>9/23/2019</a:t>
+              <a:t>9/24/2019</a:t>
             </a:fld>
             <a:endParaRPr lang="en-US"/>
           </a:p>
@@ -2336,7 +2328,7 @@
           <a:p>
             <a:fld id="{691FDA15-916D-498A-83AF-8FACFD01F9EF}" type="datetimeFigureOut">
               <a:rPr lang="en-US" smtClean="0"/>
-              <a:t>9/23/2019</a:t>
+              <a:t>9/24/2019</a:t>
             </a:fld>
             <a:endParaRPr lang="en-US"/>
           </a:p>
@@ -2703,7 +2695,7 @@
           <a:p>
             <a:fld id="{691FDA15-916D-498A-83AF-8FACFD01F9EF}" type="datetimeFigureOut">
               <a:rPr lang="en-US" smtClean="0"/>
-              <a:t>9/23/2019</a:t>
+              <a:t>9/24/2019</a:t>
             </a:fld>
             <a:endParaRPr lang="en-US"/>
           </a:p>
@@ -2821,7 +2813,7 @@
           <a:p>
             <a:fld id="{691FDA15-916D-498A-83AF-8FACFD01F9EF}" type="datetimeFigureOut">
               <a:rPr lang="en-US" smtClean="0"/>
-              <a:t>9/23/2019</a:t>
+              <a:t>9/24/2019</a:t>
             </a:fld>
             <a:endParaRPr lang="en-US"/>
           </a:p>
@@ -2916,7 +2908,7 @@
           <a:p>
             <a:fld id="{691FDA15-916D-498A-83AF-8FACFD01F9EF}" type="datetimeFigureOut">
               <a:rPr lang="en-US" smtClean="0"/>
-              <a:t>9/23/2019</a:t>
+              <a:t>9/24/2019</a:t>
             </a:fld>
             <a:endParaRPr lang="en-US"/>
           </a:p>
@@ -3193,7 +3185,7 @@
           <a:p>
             <a:fld id="{691FDA15-916D-498A-83AF-8FACFD01F9EF}" type="datetimeFigureOut">
               <a:rPr lang="en-US" smtClean="0"/>
-              <a:t>9/23/2019</a:t>
+              <a:t>9/24/2019</a:t>
             </a:fld>
             <a:endParaRPr lang="en-US"/>
           </a:p>
@@ -3446,7 +3438,7 @@
           <a:p>
             <a:fld id="{691FDA15-916D-498A-83AF-8FACFD01F9EF}" type="datetimeFigureOut">
               <a:rPr lang="en-US" smtClean="0"/>
-              <a:t>9/23/2019</a:t>
+              <a:t>9/24/2019</a:t>
             </a:fld>
             <a:endParaRPr lang="en-US"/>
           </a:p>
@@ -3659,7 +3651,7 @@
           <a:p>
             <a:fld id="{691FDA15-916D-498A-83AF-8FACFD01F9EF}" type="datetimeFigureOut">
               <a:rPr lang="en-US" smtClean="0"/>
-              <a:t>9/23/2019</a:t>
+              <a:t>9/24/2019</a:t>
             </a:fld>
             <a:endParaRPr lang="en-US"/>
           </a:p>
@@ -4300,9 +4292,12 @@
           <a:p>
             <a:pPr algn="ctr"/>
             <a:r>
-              <a:rPr lang="en-US" dirty="0" smtClean="0"/>
-              <a:t>Validation</a:t>
-            </a:r>
+              <a:rPr lang="en-US" dirty="0"/>
+              <a:t>Validation and workflows (e2e example)</a:t>
+            </a:r>
+            <a:br>
+              <a:rPr lang="en-US" dirty="0"/>
+            </a:br>
             <a:endParaRPr lang="en-US" dirty="0"/>
           </a:p>
         </p:txBody>
@@ -4358,30 +4353,59 @@
           <a:p>
             <a:r>
               <a:rPr lang="en-US" dirty="0" smtClean="0"/>
-              <a:t>When data exists it is valid else it has an error state</a:t>
-            </a:r>
-            <a:endParaRPr lang="en-US" dirty="0" smtClean="0"/>
-          </a:p>
-          <a:p>
-            <a:r>
-              <a:rPr lang="en-US" dirty="0" smtClean="0"/>
-              <a:t>Also </a:t>
-            </a:r>
-            <a:r>
-              <a:rPr lang="en-US" dirty="0" smtClean="0"/>
-              <a:t>use with Map and Bind </a:t>
-            </a:r>
-            <a:r>
-              <a:rPr lang="en-US" dirty="0" smtClean="0"/>
-              <a:t>functions</a:t>
+              <a:t>When data exists </a:t>
+            </a:r>
+            <a:r>
+              <a:rPr lang="en-US" b="1" dirty="0" smtClean="0"/>
+              <a:t>it is valid </a:t>
+            </a:r>
+            <a:r>
+              <a:rPr lang="en-US" dirty="0" smtClean="0"/>
+              <a:t>else it has an error state</a:t>
+            </a:r>
+          </a:p>
+          <a:p>
+            <a:r>
+              <a:rPr lang="en-US" dirty="0" smtClean="0"/>
+              <a:t>Also use with Map and Bind functions</a:t>
             </a:r>
           </a:p>
           <a:p>
             <a:pPr lvl="1"/>
             <a:r>
               <a:rPr lang="en-US" dirty="0" smtClean="0"/>
-              <a:t>Only persist when valid else inform caller</a:t>
-            </a:r>
+              <a:t>Only persist when valid else inform </a:t>
+            </a:r>
+            <a:r>
+              <a:rPr lang="en-US" dirty="0" smtClean="0"/>
+              <a:t>caller</a:t>
+            </a:r>
+          </a:p>
+          <a:p>
+            <a:r>
+              <a:rPr lang="en-US" dirty="0" smtClean="0"/>
+              <a:t>Workflows:</a:t>
+            </a:r>
+          </a:p>
+          <a:p>
+            <a:pPr lvl="1"/>
+            <a:r>
+              <a:rPr lang="en-US" dirty="0" smtClean="0"/>
+              <a:t>Create </a:t>
+            </a:r>
+            <a:r>
+              <a:rPr lang="en-US" dirty="0"/>
+              <a:t>(pure) pipelines that are easily readable and testable</a:t>
+            </a:r>
+          </a:p>
+          <a:p>
+            <a:pPr lvl="1"/>
+            <a:r>
+              <a:rPr lang="en-US" dirty="0"/>
+              <a:t>Force impure code to boundaries of application</a:t>
+            </a:r>
+          </a:p>
+          <a:p>
             <a:endParaRPr lang="en-US" dirty="0" smtClean="0"/>
           </a:p>
           <a:p>
@@ -4633,6 +4657,153 @@
                       </p:childTnLst>
                     </p:cTn>
                   </p:par>
+                  <p:par>
+                    <p:cTn id="21" fill="hold">
+                      <p:stCondLst>
+                        <p:cond delay="indefinite"/>
+                      </p:stCondLst>
+                      <p:childTnLst>
+                        <p:par>
+                          <p:cTn id="22" fill="hold">
+                            <p:stCondLst>
+                              <p:cond delay="0"/>
+                            </p:stCondLst>
+                            <p:childTnLst>
+                              <p:par>
+                                <p:cTn id="23" presetID="10" presetClass="entr" presetSubtype="0" fill="hold" nodeType="clickEffect">
+                                  <p:stCondLst>
+                                    <p:cond delay="0"/>
+                                  </p:stCondLst>
+                                  <p:childTnLst>
+                                    <p:set>
+                                      <p:cBhvr>
+                                        <p:cTn id="24" dur="1" fill="hold">
+                                          <p:stCondLst>
+                                            <p:cond delay="0"/>
+                                          </p:stCondLst>
+                                        </p:cTn>
+                                        <p:tgtEl>
+                                          <p:spTgt spid="3">
+                                            <p:txEl>
+                                              <p:pRg st="4" end="4"/>
+                                            </p:txEl>
+                                          </p:spTgt>
+                                        </p:tgtEl>
+                                        <p:attrNameLst>
+                                          <p:attrName>style.visibility</p:attrName>
+                                        </p:attrNameLst>
+                                      </p:cBhvr>
+                                      <p:to>
+                                        <p:strVal val="visible"/>
+                                      </p:to>
+                                    </p:set>
+                                    <p:animEffect transition="in" filter="fade">
+                                      <p:cBhvr>
+                                        <p:cTn id="25" dur="500"/>
+                                        <p:tgtEl>
+                                          <p:spTgt spid="3">
+                                            <p:txEl>
+                                              <p:pRg st="4" end="4"/>
+                                            </p:txEl>
+                                          </p:spTgt>
+                                        </p:tgtEl>
+                                      </p:cBhvr>
+                                    </p:animEffect>
+                                  </p:childTnLst>
+                                </p:cTn>
+                              </p:par>
+                              <p:par>
+                                <p:cTn id="26" presetID="10" presetClass="entr" presetSubtype="0" fill="hold" nodeType="withEffect">
+                                  <p:stCondLst>
+                                    <p:cond delay="0"/>
+                                  </p:stCondLst>
+                                  <p:childTnLst>
+                                    <p:set>
+                                      <p:cBhvr>
+                                        <p:cTn id="27" dur="1" fill="hold">
+                                          <p:stCondLst>
+                                            <p:cond delay="0"/>
+                                          </p:stCondLst>
+                                        </p:cTn>
+                                        <p:tgtEl>
+                                          <p:spTgt spid="3">
+                                            <p:txEl>
+                                              <p:pRg st="5" end="5"/>
+                                            </p:txEl>
+                                          </p:spTgt>
+                                        </p:tgtEl>
+                                        <p:attrNameLst>
+                                          <p:attrName>style.visibility</p:attrName>
+                                        </p:attrNameLst>
+                                      </p:cBhvr>
+                                      <p:to>
+                                        <p:strVal val="visible"/>
+                                      </p:to>
+                                    </p:set>
+                                    <p:animEffect transition="in" filter="fade">
+                                      <p:cBhvr>
+                                        <p:cTn id="28" dur="500"/>
+                                        <p:tgtEl>
+                                          <p:spTgt spid="3">
+                                            <p:txEl>
+                                              <p:pRg st="5" end="5"/>
+                                            </p:txEl>
+                                          </p:spTgt>
+                                        </p:tgtEl>
+                                      </p:cBhvr>
+                                    </p:animEffect>
+                                  </p:childTnLst>
+                                </p:cTn>
+                              </p:par>
+                              <p:par>
+                                <p:cTn id="29" presetID="10" presetClass="entr" presetSubtype="0" fill="hold" nodeType="withEffect">
+                                  <p:stCondLst>
+                                    <p:cond delay="0"/>
+                                  </p:stCondLst>
+                                  <p:childTnLst>
+                                    <p:set>
+                                      <p:cBhvr>
+                                        <p:cTn id="30" dur="1" fill="hold">
+                                          <p:stCondLst>
+                                            <p:cond delay="0"/>
+                                          </p:stCondLst>
+                                        </p:cTn>
+                                        <p:tgtEl>
+                                          <p:spTgt spid="3">
+                                            <p:txEl>
+                                              <p:pRg st="6" end="6"/>
+                                            </p:txEl>
+                                          </p:spTgt>
+                                        </p:tgtEl>
+                                        <p:attrNameLst>
+                                          <p:attrName>style.visibility</p:attrName>
+                                        </p:attrNameLst>
+                                      </p:cBhvr>
+                                      <p:to>
+                                        <p:strVal val="visible"/>
+                                      </p:to>
+                                    </p:set>
+                                    <p:animEffect transition="in" filter="fade">
+                                      <p:cBhvr>
+                                        <p:cTn id="31" dur="500"/>
+                                        <p:tgtEl>
+                                          <p:spTgt spid="3">
+                                            <p:txEl>
+                                              <p:pRg st="6" end="6"/>
+                                            </p:txEl>
+                                          </p:spTgt>
+                                        </p:tgtEl>
+                                      </p:cBhvr>
+                                    </p:animEffect>
+                                  </p:childTnLst>
+                                </p:cTn>
+                              </p:par>
+                            </p:childTnLst>
+                          </p:cTn>
+                        </p:par>
+                      </p:childTnLst>
+                    </p:cTn>
+                  </p:par>
                 </p:childTnLst>
               </p:cTn>
               <p:prevCondLst>
@@ -4729,11 +4900,7 @@
           <a:p>
             <a:r>
               <a:rPr lang="en-US" dirty="0" smtClean="0"/>
-              <a:t>Force impure code to </a:t>
-            </a:r>
-            <a:r>
-              <a:rPr lang="en-US" dirty="0" smtClean="0"/>
-              <a:t>boundaries of application</a:t>
+              <a:t>Force impure code to boundaries of application</a:t>
             </a:r>
             <a:endParaRPr lang="en-US" dirty="0"/>
           </a:p>
@@ -4931,7 +5098,7 @@
         <p:spPr/>
         <p:txBody>
           <a:bodyPr>
-            <a:normAutofit fontScale="92500" lnSpcReduction="20000"/>
+            <a:normAutofit lnSpcReduction="10000"/>
           </a:bodyPr>
           <a:lstStyle/>
           <a:p>
@@ -4954,14 +5121,19 @@
           </a:p>
           <a:p>
             <a:r>
-              <a:rPr lang="en-US" dirty="0" smtClean="0"/>
-              <a:t>Why purity matters</a:t>
-            </a:r>
-          </a:p>
-          <a:p>
-            <a:r>
               <a:rPr lang="en-US" dirty="0"/>
-              <a:t>Constrained types vs. Primitive </a:t>
+              <a:t>Function purity and Side effects</a:t>
+            </a:r>
+            <a:endParaRPr lang="en-US" dirty="0" smtClean="0"/>
+          </a:p>
+          <a:p>
+            <a:r>
+              <a:rPr lang="en-US" dirty="0" smtClean="0"/>
+              <a:t>Constrained </a:t>
+            </a:r>
+            <a:r>
+              <a:rPr lang="en-US" dirty="0"/>
+              <a:t>types vs. Primitive </a:t>
             </a:r>
             <a:r>
               <a:rPr lang="en-US" dirty="0" smtClean="0"/>
@@ -4983,19 +5155,18 @@
           <a:p>
             <a:r>
               <a:rPr lang="en-US" dirty="0" smtClean="0"/>
-              <a:t>Validation</a:t>
-            </a:r>
-          </a:p>
-          <a:p>
-            <a:r>
-              <a:rPr lang="en-US" dirty="0" smtClean="0"/>
-              <a:t>Working with workflows (an e2e API example)</a:t>
-            </a:r>
-          </a:p>
-          <a:p>
-            <a:r>
-              <a:rPr lang="en-US" dirty="0" smtClean="0"/>
-              <a:t>Further reading</a:t>
+              <a:t>Validation and workflows (e2e example)</a:t>
+            </a:r>
+            <a:endParaRPr lang="en-US" dirty="0" smtClean="0"/>
+          </a:p>
+          <a:p>
+            <a:r>
+              <a:rPr lang="en-US" dirty="0" smtClean="0"/>
+              <a:t>Further </a:t>
+            </a:r>
+            <a:r>
+              <a:rPr lang="en-US" dirty="0" smtClean="0"/>
+              <a:t>reading</a:t>
             </a:r>
           </a:p>
           <a:p>
@@ -5102,15 +5273,7 @@
             </a:pPr>
             <a:r>
               <a:rPr lang="en-US" dirty="0" smtClean="0"/>
-              <a:t>This is the accumulation of years of working with </a:t>
-            </a:r>
-            <a:r>
-              <a:rPr lang="en-US" dirty="0" smtClean="0"/>
-              <a:t>problematic code </a:t>
-            </a:r>
-            <a:r>
-              <a:rPr lang="en-US" dirty="0" smtClean="0"/>
-              <a:t>(including my own) and finding ways to make my life easier.</a:t>
+              <a:t>This is the accumulation of years of working with problematic code (including my own) and finding ways to make my life easier.</a:t>
             </a:r>
             <a:endParaRPr lang="en-US" dirty="0"/>
           </a:p>
@@ -5316,15 +5479,7 @@
             <a:pPr algn="ctr"/>
             <a:r>
               <a:rPr lang="en-US" dirty="0" smtClean="0"/>
-              <a:t>Why </a:t>
-            </a:r>
-            <a:r>
-              <a:rPr lang="en-US" dirty="0" smtClean="0"/>
-              <a:t>(should you learn) FP</a:t>
-            </a:r>
-            <a:r>
-              <a:rPr lang="en-US" dirty="0" smtClean="0"/>
-              <a:t>?</a:t>
+              <a:t>Why (should you learn) FP?</a:t>
             </a:r>
             <a:endParaRPr lang="en-US" dirty="0"/>
           </a:p>
@@ -5919,7 +6074,6 @@
               <a:rPr lang="en-US" dirty="0" smtClean="0"/>
               <a:t>functions</a:t>
             </a:r>
-            <a:endParaRPr lang="en-US" dirty="0" smtClean="0"/>
           </a:p>
           <a:p>
             <a:r>
@@ -6479,23 +6633,11 @@
             </a:r>
             <a:r>
               <a:rPr lang="en-US" dirty="0" smtClean="0"/>
-              <a:t>without side </a:t>
-            </a:r>
-            <a:r>
-              <a:rPr lang="en-US" dirty="0" smtClean="0"/>
-              <a:t>effects. Still</a:t>
-            </a:r>
-            <a:r>
-              <a:rPr lang="en-US" dirty="0" smtClean="0"/>
-              <a:t>, it pays of to have as much code as possible </a:t>
+              <a:t>without side effects. Still, it pays of to have as much code as possible </a:t>
             </a:r>
             <a:r>
               <a:rPr lang="en-US" i="1" dirty="0" smtClean="0"/>
-              <a:t>side effect </a:t>
-            </a:r>
-            <a:r>
-              <a:rPr lang="en-US" i="1" dirty="0" smtClean="0"/>
-              <a:t>free.</a:t>
+              <a:t>side effect free.</a:t>
             </a:r>
             <a:endParaRPr lang="en-US" i="1" dirty="0"/>
           </a:p>
@@ -7103,9 +7245,14 @@
             </a:r>
           </a:p>
           <a:p>
-            <a:r>
-              <a:rPr lang="en-US" dirty="0" smtClean="0"/>
-              <a:t>Pure functions have no side effects and input always has the same output</a:t>
+            <a:pPr lvl="1"/>
+            <a:r>
+              <a:rPr lang="en-US" dirty="0" smtClean="0"/>
+              <a:t>Input </a:t>
+            </a:r>
+            <a:r>
+              <a:rPr lang="en-US" dirty="0" smtClean="0"/>
+              <a:t>always has the same output</a:t>
             </a:r>
           </a:p>
           <a:p>
@@ -7359,10 +7506,9 @@
           <a:p>
             <a:pPr algn="ctr"/>
             <a:r>
-              <a:rPr lang="en-US" dirty="0" smtClean="0"/>
-              <a:t>Constrained types</a:t>
-            </a:r>
-            <a:endParaRPr lang="en-US" dirty="0"/>
+              <a:rPr lang="en-US" dirty="0"/>
+              <a:t>Constrained types vs. Primitive types</a:t>
+            </a:r>
           </a:p>
         </p:txBody>
       </p:sp>
@@ -7831,11 +7977,7 @@
           <a:p>
             <a:r>
               <a:rPr lang="en-US" dirty="0" smtClean="0"/>
-              <a:t>Pattern matching; </a:t>
-            </a:r>
-            <a:r>
-              <a:rPr lang="en-US" dirty="0" smtClean="0"/>
-              <a:t>decide what to do with present or missing data when you need it</a:t>
+              <a:t>Pattern matching; decide what to do with present or missing data when you need it</a:t>
             </a:r>
           </a:p>
           <a:p>

--- a/Presentation/FP-makes-life-easier.pptx
+++ b/Presentation/FP-makes-life-easier.pptx
@@ -5,7 +5,7 @@
     <p:sldMasterId id="2147483648" r:id="rId1"/>
   </p:sldMasterIdLst>
   <p:notesMasterIdLst>
-    <p:notesMasterId r:id="rId15"/>
+    <p:notesMasterId r:id="rId14"/>
   </p:notesMasterIdLst>
   <p:sldIdLst>
     <p:sldId id="256" r:id="rId2"/>
@@ -19,8 +19,7 @@
     <p:sldId id="262" r:id="rId10"/>
     <p:sldId id="264" r:id="rId11"/>
     <p:sldId id="265" r:id="rId12"/>
-    <p:sldId id="266" r:id="rId13"/>
-    <p:sldId id="267" r:id="rId14"/>
+    <p:sldId id="267" r:id="rId13"/>
   </p:sldIdLst>
   <p:sldSz cx="12192000" cy="6858000"/>
   <p:notesSz cx="6858000" cy="9144000"/>
@@ -212,7 +211,7 @@
           <a:p>
             <a:fld id="{7201D896-5548-4628-BD76-E04FF5C0A1BD}" type="datetimeFigureOut">
               <a:rPr lang="en-US" smtClean="0"/>
-              <a:t>9/24/2019</a:t>
+              <a:t>9/25/2019</a:t>
             </a:fld>
             <a:endParaRPr lang="en-US"/>
           </a:p>
@@ -661,15 +660,7 @@
             </a:r>
             <a:r>
               <a:rPr lang="en-US" dirty="0" smtClean="0"/>
-              <a:t> function maps 1 to 2, 2 to </a:t>
-            </a:r>
-            <a:r>
-              <a:rPr lang="en-US" dirty="0" smtClean="0"/>
-              <a:t>3 </a:t>
-            </a:r>
-            <a:r>
-              <a:rPr lang="en-US" dirty="0" smtClean="0"/>
-              <a:t>Example:</a:t>
+              <a:t> function maps 1 to 2, 2 to 3 Example:</a:t>
             </a:r>
             <a:r>
               <a:rPr lang="en-US" baseline="0" dirty="0" smtClean="0"/>
@@ -1330,7 +1321,7 @@
           <a:p>
             <a:fld id="{691FDA15-916D-498A-83AF-8FACFD01F9EF}" type="datetimeFigureOut">
               <a:rPr lang="en-US" smtClean="0"/>
-              <a:t>9/24/2019</a:t>
+              <a:t>9/25/2019</a:t>
             </a:fld>
             <a:endParaRPr lang="en-US"/>
           </a:p>
@@ -1500,7 +1491,7 @@
           <a:p>
             <a:fld id="{691FDA15-916D-498A-83AF-8FACFD01F9EF}" type="datetimeFigureOut">
               <a:rPr lang="en-US" smtClean="0"/>
-              <a:t>9/24/2019</a:t>
+              <a:t>9/25/2019</a:t>
             </a:fld>
             <a:endParaRPr lang="en-US"/>
           </a:p>
@@ -1680,7 +1671,7 @@
           <a:p>
             <a:fld id="{691FDA15-916D-498A-83AF-8FACFD01F9EF}" type="datetimeFigureOut">
               <a:rPr lang="en-US" smtClean="0"/>
-              <a:t>9/24/2019</a:t>
+              <a:t>9/25/2019</a:t>
             </a:fld>
             <a:endParaRPr lang="en-US"/>
           </a:p>
@@ -1850,7 +1841,7 @@
           <a:p>
             <a:fld id="{691FDA15-916D-498A-83AF-8FACFD01F9EF}" type="datetimeFigureOut">
               <a:rPr lang="en-US" smtClean="0"/>
-              <a:t>9/24/2019</a:t>
+              <a:t>9/25/2019</a:t>
             </a:fld>
             <a:endParaRPr lang="en-US"/>
           </a:p>
@@ -2096,7 +2087,7 @@
           <a:p>
             <a:fld id="{691FDA15-916D-498A-83AF-8FACFD01F9EF}" type="datetimeFigureOut">
               <a:rPr lang="en-US" smtClean="0"/>
-              <a:t>9/24/2019</a:t>
+              <a:t>9/25/2019</a:t>
             </a:fld>
             <a:endParaRPr lang="en-US"/>
           </a:p>
@@ -2328,7 +2319,7 @@
           <a:p>
             <a:fld id="{691FDA15-916D-498A-83AF-8FACFD01F9EF}" type="datetimeFigureOut">
               <a:rPr lang="en-US" smtClean="0"/>
-              <a:t>9/24/2019</a:t>
+              <a:t>9/25/2019</a:t>
             </a:fld>
             <a:endParaRPr lang="en-US"/>
           </a:p>
@@ -2695,7 +2686,7 @@
           <a:p>
             <a:fld id="{691FDA15-916D-498A-83AF-8FACFD01F9EF}" type="datetimeFigureOut">
               <a:rPr lang="en-US" smtClean="0"/>
-              <a:t>9/24/2019</a:t>
+              <a:t>9/25/2019</a:t>
             </a:fld>
             <a:endParaRPr lang="en-US"/>
           </a:p>
@@ -2813,7 +2804,7 @@
           <a:p>
             <a:fld id="{691FDA15-916D-498A-83AF-8FACFD01F9EF}" type="datetimeFigureOut">
               <a:rPr lang="en-US" smtClean="0"/>
-              <a:t>9/24/2019</a:t>
+              <a:t>9/25/2019</a:t>
             </a:fld>
             <a:endParaRPr lang="en-US"/>
           </a:p>
@@ -2908,7 +2899,7 @@
           <a:p>
             <a:fld id="{691FDA15-916D-498A-83AF-8FACFD01F9EF}" type="datetimeFigureOut">
               <a:rPr lang="en-US" smtClean="0"/>
-              <a:t>9/24/2019</a:t>
+              <a:t>9/25/2019</a:t>
             </a:fld>
             <a:endParaRPr lang="en-US"/>
           </a:p>
@@ -3185,7 +3176,7 @@
           <a:p>
             <a:fld id="{691FDA15-916D-498A-83AF-8FACFD01F9EF}" type="datetimeFigureOut">
               <a:rPr lang="en-US" smtClean="0"/>
-              <a:t>9/24/2019</a:t>
+              <a:t>9/25/2019</a:t>
             </a:fld>
             <a:endParaRPr lang="en-US"/>
           </a:p>
@@ -3438,7 +3429,7 @@
           <a:p>
             <a:fld id="{691FDA15-916D-498A-83AF-8FACFD01F9EF}" type="datetimeFigureOut">
               <a:rPr lang="en-US" smtClean="0"/>
-              <a:t>9/24/2019</a:t>
+              <a:t>9/25/2019</a:t>
             </a:fld>
             <a:endParaRPr lang="en-US"/>
           </a:p>
@@ -3651,7 +3642,7 @@
           <a:p>
             <a:fld id="{691FDA15-916D-498A-83AF-8FACFD01F9EF}" type="datetimeFigureOut">
               <a:rPr lang="en-US" smtClean="0"/>
-              <a:t>9/24/2019</a:t>
+              <a:t>9/25/2019</a:t>
             </a:fld>
             <a:endParaRPr lang="en-US"/>
           </a:p>
@@ -4374,11 +4365,7 @@
             <a:pPr lvl="1"/>
             <a:r>
               <a:rPr lang="en-US" dirty="0" smtClean="0"/>
-              <a:t>Only persist when valid else inform </a:t>
-            </a:r>
-            <a:r>
-              <a:rPr lang="en-US" dirty="0" smtClean="0"/>
-              <a:t>caller</a:t>
+              <a:t>Only persist when valid else inform caller</a:t>
             </a:r>
           </a:p>
           <a:p>
@@ -4864,103 +4851,6 @@
             <a:pPr algn="ctr"/>
             <a:r>
               <a:rPr lang="en-US" dirty="0" smtClean="0"/>
-              <a:t>Working with workflows</a:t>
-            </a:r>
-            <a:br>
-              <a:rPr lang="en-US" dirty="0" smtClean="0"/>
-            </a:br>
-            <a:r>
-              <a:rPr lang="en-US" sz="2000" i="1" dirty="0" smtClean="0"/>
-              <a:t>An e2e API example</a:t>
-            </a:r>
-            <a:endParaRPr lang="en-US" sz="2000" i="1" dirty="0"/>
-          </a:p>
-        </p:txBody>
-      </p:sp>
-      <p:sp>
-        <p:nvSpPr>
-          <p:cNvPr id="3" name="Content Placeholder 2"/>
-          <p:cNvSpPr>
-            <a:spLocks noGrp="1"/>
-          </p:cNvSpPr>
-          <p:nvPr>
-            <p:ph idx="1"/>
-          </p:nvPr>
-        </p:nvSpPr>
-        <p:spPr/>
-        <p:txBody>
-          <a:bodyPr/>
-          <a:lstStyle/>
-          <a:p>
-            <a:r>
-              <a:rPr lang="en-US" dirty="0" smtClean="0"/>
-              <a:t>Create (pure) pipelines that are easily readable and testable</a:t>
-            </a:r>
-          </a:p>
-          <a:p>
-            <a:r>
-              <a:rPr lang="en-US" dirty="0" smtClean="0"/>
-              <a:t>Force impure code to boundaries of application</a:t>
-            </a:r>
-            <a:endParaRPr lang="en-US" dirty="0"/>
-          </a:p>
-        </p:txBody>
-      </p:sp>
-    </p:spTree>
-    <p:extLst>
-      <p:ext uri="{BB962C8B-B14F-4D97-AF65-F5344CB8AC3E}">
-        <p14:creationId xmlns:p14="http://schemas.microsoft.com/office/powerpoint/2010/main" val="982778351"/>
-      </p:ext>
-    </p:extLst>
-  </p:cSld>
-  <p:clrMapOvr>
-    <a:masterClrMapping/>
-  </p:clrMapOvr>
-  <p:timing>
-    <p:tnLst>
-      <p:par>
-        <p:cTn id="1" dur="indefinite" restart="never" nodeType="tmRoot"/>
-      </p:par>
-    </p:tnLst>
-  </p:timing>
-</p:sld>
-</file>
-
-<file path=ppt/slides/slide13.xml><?xml version="1.0" encoding="utf-8"?>
-<p:sld xmlns:a="http://schemas.openxmlformats.org/drawingml/2006/main" xmlns:r="http://schemas.openxmlformats.org/officeDocument/2006/relationships" xmlns:p="http://schemas.openxmlformats.org/presentationml/2006/main">
-  <p:cSld>
-    <p:spTree>
-      <p:nvGrpSpPr>
-        <p:cNvPr id="1" name=""/>
-        <p:cNvGrpSpPr/>
-        <p:nvPr/>
-      </p:nvGrpSpPr>
-      <p:grpSpPr>
-        <a:xfrm>
-          <a:off x="0" y="0"/>
-          <a:ext cx="0" cy="0"/>
-          <a:chOff x="0" y="0"/>
-          <a:chExt cx="0" cy="0"/>
-        </a:xfrm>
-      </p:grpSpPr>
-      <p:sp>
-        <p:nvSpPr>
-          <p:cNvPr id="2" name="Title 1"/>
-          <p:cNvSpPr>
-            <a:spLocks noGrp="1"/>
-          </p:cNvSpPr>
-          <p:nvPr>
-            <p:ph type="title"/>
-          </p:nvPr>
-        </p:nvSpPr>
-        <p:spPr/>
-        <p:txBody>
-          <a:bodyPr/>
-          <a:lstStyle/>
-          <a:p>
-            <a:pPr algn="ctr"/>
-            <a:r>
-              <a:rPr lang="en-US" dirty="0" smtClean="0"/>
               <a:t>Further reading</a:t>
             </a:r>
             <a:endParaRPr lang="en-US" dirty="0"/>
@@ -5157,16 +5047,11 @@
               <a:rPr lang="en-US" dirty="0" smtClean="0"/>
               <a:t>Validation and workflows (e2e example)</a:t>
             </a:r>
-            <a:endParaRPr lang="en-US" dirty="0" smtClean="0"/>
-          </a:p>
-          <a:p>
-            <a:r>
-              <a:rPr lang="en-US" dirty="0" smtClean="0"/>
-              <a:t>Further </a:t>
-            </a:r>
-            <a:r>
-              <a:rPr lang="en-US" dirty="0" smtClean="0"/>
-              <a:t>reading</a:t>
+          </a:p>
+          <a:p>
+            <a:r>
+              <a:rPr lang="en-US" dirty="0" smtClean="0"/>
+              <a:t>Further reading</a:t>
             </a:r>
           </a:p>
           <a:p>
@@ -7248,11 +7133,7 @@
             <a:pPr lvl="1"/>
             <a:r>
               <a:rPr lang="en-US" dirty="0" smtClean="0"/>
-              <a:t>Input </a:t>
-            </a:r>
-            <a:r>
-              <a:rPr lang="en-US" dirty="0" smtClean="0"/>
-              <a:t>always has the same output</a:t>
+              <a:t>Input always has the same output</a:t>
             </a:r>
           </a:p>
           <a:p>
